--- a/praesentationen/Lecker!_Abschlusspraesentation.pptx
+++ b/praesentationen/Lecker!_Abschlusspraesentation.pptx
@@ -5,7 +5,7 @@
     <p:sldMasterId id="2147483648" r:id="rId1"/>
   </p:sldMasterIdLst>
   <p:handoutMasterIdLst>
-    <p:handoutMasterId r:id="rId23"/>
+    <p:handoutMasterId r:id="rId41"/>
   </p:handoutMasterIdLst>
   <p:sldIdLst>
     <p:sldId id="256" r:id="rId2"/>
@@ -13,22 +13,40 @@
     <p:sldId id="283" r:id="rId4"/>
     <p:sldId id="271" r:id="rId5"/>
     <p:sldId id="287" r:id="rId6"/>
-    <p:sldId id="284" r:id="rId7"/>
-    <p:sldId id="272" r:id="rId8"/>
-    <p:sldId id="273" r:id="rId9"/>
-    <p:sldId id="274" r:id="rId10"/>
-    <p:sldId id="275" r:id="rId11"/>
-    <p:sldId id="276" r:id="rId12"/>
-    <p:sldId id="277" r:id="rId13"/>
-    <p:sldId id="278" r:id="rId14"/>
-    <p:sldId id="279" r:id="rId15"/>
-    <p:sldId id="280" r:id="rId16"/>
-    <p:sldId id="281" r:id="rId17"/>
-    <p:sldId id="282" r:id="rId18"/>
-    <p:sldId id="285" r:id="rId19"/>
-    <p:sldId id="286" r:id="rId20"/>
-    <p:sldId id="288" r:id="rId21"/>
-    <p:sldId id="289" r:id="rId22"/>
+    <p:sldId id="290" r:id="rId7"/>
+    <p:sldId id="291" r:id="rId8"/>
+    <p:sldId id="292" r:id="rId9"/>
+    <p:sldId id="296" r:id="rId10"/>
+    <p:sldId id="294" r:id="rId11"/>
+    <p:sldId id="295" r:id="rId12"/>
+    <p:sldId id="297" r:id="rId13"/>
+    <p:sldId id="293" r:id="rId14"/>
+    <p:sldId id="298" r:id="rId15"/>
+    <p:sldId id="300" r:id="rId16"/>
+    <p:sldId id="301" r:id="rId17"/>
+    <p:sldId id="302" r:id="rId18"/>
+    <p:sldId id="305" r:id="rId19"/>
+    <p:sldId id="303" r:id="rId20"/>
+    <p:sldId id="306" r:id="rId21"/>
+    <p:sldId id="304" r:id="rId22"/>
+    <p:sldId id="307" r:id="rId23"/>
+    <p:sldId id="299" r:id="rId24"/>
+    <p:sldId id="284" r:id="rId25"/>
+    <p:sldId id="272" r:id="rId26"/>
+    <p:sldId id="273" r:id="rId27"/>
+    <p:sldId id="274" r:id="rId28"/>
+    <p:sldId id="275" r:id="rId29"/>
+    <p:sldId id="276" r:id="rId30"/>
+    <p:sldId id="277" r:id="rId31"/>
+    <p:sldId id="278" r:id="rId32"/>
+    <p:sldId id="279" r:id="rId33"/>
+    <p:sldId id="280" r:id="rId34"/>
+    <p:sldId id="281" r:id="rId35"/>
+    <p:sldId id="282" r:id="rId36"/>
+    <p:sldId id="285" r:id="rId37"/>
+    <p:sldId id="286" r:id="rId38"/>
+    <p:sldId id="288" r:id="rId39"/>
+    <p:sldId id="289" r:id="rId40"/>
   </p:sldIdLst>
   <p:sldSz cx="9144000" cy="6858000" type="screen4x3"/>
   <p:notesSz cx="6858000" cy="9144000"/>
@@ -213,7 +231,7 @@
             <a:fld id="{B0AE7C61-DD79-42B1-A85C-31EAF696ADDF}" type="datetimeFigureOut">
               <a:rPr lang="de-DE" smtClean="0"/>
               <a:pPr/>
-              <a:t>08.07.2013</a:t>
+              <a:t>09.07.2013</a:t>
             </a:fld>
             <a:endParaRPr lang="de-DE"/>
           </a:p>
@@ -335,7 +353,7 @@
             <a:fld id="{1BA50D42-C9CD-4801-B293-61D1F53EC57E}" type="datetimeFigureOut">
               <a:rPr lang="de-DE" smtClean="0"/>
               <a:pPr/>
-              <a:t>08.07.2013</a:t>
+              <a:t>09.07.2013</a:t>
             </a:fld>
             <a:endParaRPr lang="de-DE"/>
           </a:p>
@@ -528,7 +546,7 @@
             <a:fld id="{1BA50D42-C9CD-4801-B293-61D1F53EC57E}" type="datetimeFigureOut">
               <a:rPr lang="de-DE" smtClean="0"/>
               <a:pPr/>
-              <a:t>08.07.2013</a:t>
+              <a:t>09.07.2013</a:t>
             </a:fld>
             <a:endParaRPr lang="de-DE"/>
           </a:p>
@@ -705,7 +723,7 @@
             <a:fld id="{1BA50D42-C9CD-4801-B293-61D1F53EC57E}" type="datetimeFigureOut">
               <a:rPr lang="de-DE" smtClean="0"/>
               <a:pPr/>
-              <a:t>08.07.2013</a:t>
+              <a:t>09.07.2013</a:t>
             </a:fld>
             <a:endParaRPr lang="de-DE"/>
           </a:p>
@@ -1325,7 +1343,7 @@
             <a:fld id="{1BA50D42-C9CD-4801-B293-61D1F53EC57E}" type="datetimeFigureOut">
               <a:rPr lang="de-DE" smtClean="0"/>
               <a:pPr/>
-              <a:t>08.07.2013</a:t>
+              <a:t>09.07.2013</a:t>
             </a:fld>
             <a:endParaRPr lang="de-DE"/>
           </a:p>
@@ -1638,7 +1656,7 @@
             <a:fld id="{1BA50D42-C9CD-4801-B293-61D1F53EC57E}" type="datetimeFigureOut">
               <a:rPr lang="de-DE" smtClean="0"/>
               <a:pPr/>
-              <a:t>08.07.2013</a:t>
+              <a:t>09.07.2013</a:t>
             </a:fld>
             <a:endParaRPr lang="de-DE"/>
           </a:p>
@@ -2057,7 +2075,7 @@
             <a:fld id="{1BA50D42-C9CD-4801-B293-61D1F53EC57E}" type="datetimeFigureOut">
               <a:rPr lang="de-DE" smtClean="0"/>
               <a:pPr/>
-              <a:t>08.07.2013</a:t>
+              <a:t>09.07.2013</a:t>
             </a:fld>
             <a:endParaRPr lang="de-DE"/>
           </a:p>
@@ -2172,7 +2190,7 @@
             <a:fld id="{1BA50D42-C9CD-4801-B293-61D1F53EC57E}" type="datetimeFigureOut">
               <a:rPr lang="de-DE" smtClean="0"/>
               <a:pPr/>
-              <a:t>08.07.2013</a:t>
+              <a:t>09.07.2013</a:t>
             </a:fld>
             <a:endParaRPr lang="de-DE"/>
           </a:p>
@@ -2264,7 +2282,7 @@
             <a:fld id="{1BA50D42-C9CD-4801-B293-61D1F53EC57E}" type="datetimeFigureOut">
               <a:rPr lang="de-DE" smtClean="0"/>
               <a:pPr/>
-              <a:t>08.07.2013</a:t>
+              <a:t>09.07.2013</a:t>
             </a:fld>
             <a:endParaRPr lang="de-DE"/>
           </a:p>
@@ -2538,7 +2556,7 @@
             <a:fld id="{1BA50D42-C9CD-4801-B293-61D1F53EC57E}" type="datetimeFigureOut">
               <a:rPr lang="de-DE" smtClean="0"/>
               <a:pPr/>
-              <a:t>08.07.2013</a:t>
+              <a:t>09.07.2013</a:t>
             </a:fld>
             <a:endParaRPr lang="de-DE"/>
           </a:p>
@@ -2788,7 +2806,7 @@
             <a:fld id="{1BA50D42-C9CD-4801-B293-61D1F53EC57E}" type="datetimeFigureOut">
               <a:rPr lang="de-DE" smtClean="0"/>
               <a:pPr/>
-              <a:t>08.07.2013</a:t>
+              <a:t>09.07.2013</a:t>
             </a:fld>
             <a:endParaRPr lang="de-DE"/>
           </a:p>
@@ -2998,7 +3016,7 @@
             <a:fld id="{1BA50D42-C9CD-4801-B293-61D1F53EC57E}" type="datetimeFigureOut">
               <a:rPr lang="de-DE" smtClean="0"/>
               <a:pPr/>
-              <a:t>08.07.2013</a:t>
+              <a:t>09.07.2013</a:t>
             </a:fld>
             <a:endParaRPr lang="de-DE"/>
           </a:p>
@@ -3398,21 +3416,8 @@
                 <a:ea typeface="Tahoma" pitchFamily="34" charset="0"/>
                 <a:cs typeface="Tahoma" pitchFamily="34" charset="0"/>
               </a:rPr>
-              <a:t>Abschlusspräsentation </a:t>
-            </a:r>
-            <a:r>
-              <a:rPr lang="de-DE" sz="2400" b="1" cap="small" dirty="0" smtClean="0">
-                <a:latin typeface="Tahoma" pitchFamily="34" charset="0"/>
-                <a:ea typeface="Tahoma" pitchFamily="34" charset="0"/>
-                <a:cs typeface="Tahoma" pitchFamily="34" charset="0"/>
-              </a:rPr>
-              <a:t>im Modul Internet-Technologien </a:t>
-            </a:r>
-            <a:endParaRPr lang="de-DE" sz="2400" b="1" cap="small" dirty="0" smtClean="0">
-              <a:latin typeface="Tahoma" pitchFamily="34" charset="0"/>
-              <a:ea typeface="Tahoma" pitchFamily="34" charset="0"/>
-              <a:cs typeface="Tahoma" pitchFamily="34" charset="0"/>
-            </a:endParaRPr>
+              <a:t>Abschlusspräsentation im Modul Internet-Technologien </a:t>
+            </a:r>
           </a:p>
           <a:p>
             <a:pPr algn="ctr"/>
@@ -3494,6 +3499,2289 @@
 </file>
 
 <file path=ppt/slides/slide10.xml><?xml version="1.0" encoding="utf-8"?>
+<p:sld xmlns:a="http://schemas.openxmlformats.org/drawingml/2006/main" xmlns:r="http://schemas.openxmlformats.org/officeDocument/2006/relationships" xmlns:p="http://schemas.openxmlformats.org/presentationml/2006/main">
+  <p:cSld>
+    <p:spTree>
+      <p:nvGrpSpPr>
+        <p:cNvPr id="1" name=""/>
+        <p:cNvGrpSpPr/>
+        <p:nvPr/>
+      </p:nvGrpSpPr>
+      <p:grpSpPr>
+        <a:xfrm>
+          <a:off x="0" y="0"/>
+          <a:ext cx="0" cy="0"/>
+          <a:chOff x="0" y="0"/>
+          <a:chExt cx="0" cy="0"/>
+        </a:xfrm>
+      </p:grpSpPr>
+      <p:sp>
+        <p:nvSpPr>
+          <p:cNvPr id="3" name="Titel 2"/>
+          <p:cNvSpPr>
+            <a:spLocks noGrp="1"/>
+          </p:cNvSpPr>
+          <p:nvPr>
+            <p:ph type="title"/>
+          </p:nvPr>
+        </p:nvSpPr>
+        <p:spPr/>
+        <p:txBody>
+          <a:bodyPr/>
+          <a:lstStyle/>
+          <a:p>
+            <a:r>
+              <a:rPr lang="de-DE" dirty="0" smtClean="0"/>
+              <a:t>Entwurf und Implementierung </a:t>
+            </a:r>
+            <a:r>
+              <a:rPr lang="de-DE" dirty="0" smtClean="0"/>
+              <a:t>III</a:t>
+            </a:r>
+            <a:endParaRPr lang="de-DE" dirty="0"/>
+          </a:p>
+        </p:txBody>
+      </p:sp>
+      <p:pic>
+        <p:nvPicPr>
+          <p:cNvPr id="2050" name="Picture 2" descr="D:\Lecker SVN\trunk\mockups\web\MainFirst.png"/>
+          <p:cNvPicPr>
+            <a:picLocks noChangeAspect="1" noChangeArrowheads="1"/>
+          </p:cNvPicPr>
+          <p:nvPr/>
+        </p:nvPicPr>
+        <p:blipFill>
+          <a:blip r:embed="rId2" cstate="print"/>
+          <a:stretch>
+            <a:fillRect/>
+          </a:stretch>
+        </p:blipFill>
+        <p:spPr bwMode="auto">
+          <a:xfrm>
+            <a:off x="898868" y="1310670"/>
+            <a:ext cx="7634295" cy="4236660"/>
+          </a:xfrm>
+          <a:prstGeom prst="rect">
+            <a:avLst/>
+          </a:prstGeom>
+          <a:noFill/>
+        </p:spPr>
+      </p:pic>
+    </p:spTree>
+  </p:cSld>
+  <p:clrMapOvr>
+    <a:masterClrMapping/>
+  </p:clrMapOvr>
+  <p:transition>
+    <p:fade/>
+  </p:transition>
+  <p:timing>
+    <p:tnLst>
+      <p:par>
+        <p:cTn id="1" dur="indefinite" restart="never" nodeType="tmRoot"/>
+      </p:par>
+    </p:tnLst>
+  </p:timing>
+</p:sld>
+</file>
+
+<file path=ppt/slides/slide11.xml><?xml version="1.0" encoding="utf-8"?>
+<p:sld xmlns:a="http://schemas.openxmlformats.org/drawingml/2006/main" xmlns:r="http://schemas.openxmlformats.org/officeDocument/2006/relationships" xmlns:p="http://schemas.openxmlformats.org/presentationml/2006/main">
+  <p:cSld>
+    <p:spTree>
+      <p:nvGrpSpPr>
+        <p:cNvPr id="1" name=""/>
+        <p:cNvGrpSpPr/>
+        <p:nvPr/>
+      </p:nvGrpSpPr>
+      <p:grpSpPr>
+        <a:xfrm>
+          <a:off x="0" y="0"/>
+          <a:ext cx="0" cy="0"/>
+          <a:chOff x="0" y="0"/>
+          <a:chExt cx="0" cy="0"/>
+        </a:xfrm>
+      </p:grpSpPr>
+      <p:sp>
+        <p:nvSpPr>
+          <p:cNvPr id="3" name="Titel 2"/>
+          <p:cNvSpPr>
+            <a:spLocks noGrp="1"/>
+          </p:cNvSpPr>
+          <p:nvPr>
+            <p:ph type="title"/>
+          </p:nvPr>
+        </p:nvSpPr>
+        <p:spPr/>
+        <p:txBody>
+          <a:bodyPr/>
+          <a:lstStyle/>
+          <a:p>
+            <a:r>
+              <a:rPr lang="de-DE" dirty="0" smtClean="0"/>
+              <a:t>Entwurf und Implementierung </a:t>
+            </a:r>
+            <a:r>
+              <a:rPr lang="de-DE" dirty="0" smtClean="0"/>
+              <a:t>IV</a:t>
+            </a:r>
+            <a:endParaRPr lang="de-DE" dirty="0"/>
+          </a:p>
+        </p:txBody>
+      </p:sp>
+      <p:pic>
+        <p:nvPicPr>
+          <p:cNvPr id="4" name="Picture 2" descr="D:\Lecker SVN\trunk\mockups\web\MainFirst.png"/>
+          <p:cNvPicPr>
+            <a:picLocks noChangeAspect="1" noChangeArrowheads="1"/>
+          </p:cNvPicPr>
+          <p:nvPr/>
+        </p:nvPicPr>
+        <p:blipFill>
+          <a:blip r:embed="rId2" cstate="print"/>
+          <a:stretch>
+            <a:fillRect/>
+          </a:stretch>
+        </p:blipFill>
+        <p:spPr bwMode="auto">
+          <a:xfrm>
+            <a:off x="1187624" y="1196752"/>
+            <a:ext cx="6768751" cy="4655853"/>
+          </a:xfrm>
+          <a:prstGeom prst="rect">
+            <a:avLst/>
+          </a:prstGeom>
+          <a:noFill/>
+        </p:spPr>
+      </p:pic>
+    </p:spTree>
+  </p:cSld>
+  <p:clrMapOvr>
+    <a:masterClrMapping/>
+  </p:clrMapOvr>
+  <p:transition>
+    <p:fade/>
+  </p:transition>
+  <p:timing>
+    <p:tnLst>
+      <p:par>
+        <p:cTn id="1" dur="indefinite" restart="never" nodeType="tmRoot"/>
+      </p:par>
+    </p:tnLst>
+  </p:timing>
+</p:sld>
+</file>
+
+<file path=ppt/slides/slide12.xml><?xml version="1.0" encoding="utf-8"?>
+<p:sld xmlns:a="http://schemas.openxmlformats.org/drawingml/2006/main" xmlns:r="http://schemas.openxmlformats.org/officeDocument/2006/relationships" xmlns:p="http://schemas.openxmlformats.org/presentationml/2006/main">
+  <p:cSld>
+    <p:spTree>
+      <p:nvGrpSpPr>
+        <p:cNvPr id="1" name=""/>
+        <p:cNvGrpSpPr/>
+        <p:nvPr/>
+      </p:nvGrpSpPr>
+      <p:grpSpPr>
+        <a:xfrm>
+          <a:off x="0" y="0"/>
+          <a:ext cx="0" cy="0"/>
+          <a:chOff x="0" y="0"/>
+          <a:chExt cx="0" cy="0"/>
+        </a:xfrm>
+      </p:grpSpPr>
+      <p:sp>
+        <p:nvSpPr>
+          <p:cNvPr id="3" name="Titel 2"/>
+          <p:cNvSpPr>
+            <a:spLocks noGrp="1"/>
+          </p:cNvSpPr>
+          <p:nvPr>
+            <p:ph type="title"/>
+          </p:nvPr>
+        </p:nvSpPr>
+        <p:spPr/>
+        <p:txBody>
+          <a:bodyPr/>
+          <a:lstStyle/>
+          <a:p>
+            <a:r>
+              <a:rPr lang="de-DE" dirty="0" smtClean="0"/>
+              <a:t>Entwurf und Implementierung </a:t>
+            </a:r>
+            <a:r>
+              <a:rPr lang="de-DE" dirty="0" smtClean="0"/>
+              <a:t>IV</a:t>
+            </a:r>
+            <a:endParaRPr lang="de-DE" dirty="0"/>
+          </a:p>
+        </p:txBody>
+      </p:sp>
+      <p:pic>
+        <p:nvPicPr>
+          <p:cNvPr id="2050" name="Picture 2" descr="D:\Lecker SVN\trunk\mockups\web\MainFirst.png"/>
+          <p:cNvPicPr>
+            <a:picLocks noChangeAspect="1" noChangeArrowheads="1"/>
+          </p:cNvPicPr>
+          <p:nvPr/>
+        </p:nvPicPr>
+        <p:blipFill>
+          <a:blip r:embed="rId2" cstate="print"/>
+          <a:stretch>
+            <a:fillRect/>
+          </a:stretch>
+        </p:blipFill>
+        <p:spPr bwMode="auto">
+          <a:xfrm>
+            <a:off x="898868" y="2197662"/>
+            <a:ext cx="7634295" cy="2462675"/>
+          </a:xfrm>
+          <a:prstGeom prst="rect">
+            <a:avLst/>
+          </a:prstGeom>
+          <a:noFill/>
+        </p:spPr>
+      </p:pic>
+    </p:spTree>
+  </p:cSld>
+  <p:clrMapOvr>
+    <a:masterClrMapping/>
+  </p:clrMapOvr>
+  <p:transition>
+    <p:fade/>
+  </p:transition>
+  <p:timing>
+    <p:tnLst>
+      <p:par>
+        <p:cTn id="1" dur="indefinite" restart="never" nodeType="tmRoot"/>
+      </p:par>
+    </p:tnLst>
+  </p:timing>
+</p:sld>
+</file>
+
+<file path=ppt/slides/slide13.xml><?xml version="1.0" encoding="utf-8"?>
+<p:sld xmlns:a="http://schemas.openxmlformats.org/drawingml/2006/main" xmlns:r="http://schemas.openxmlformats.org/officeDocument/2006/relationships" xmlns:p="http://schemas.openxmlformats.org/presentationml/2006/main">
+  <p:cSld>
+    <p:spTree>
+      <p:nvGrpSpPr>
+        <p:cNvPr id="1" name=""/>
+        <p:cNvGrpSpPr/>
+        <p:nvPr/>
+      </p:nvGrpSpPr>
+      <p:grpSpPr>
+        <a:xfrm>
+          <a:off x="0" y="0"/>
+          <a:ext cx="0" cy="0"/>
+          <a:chOff x="0" y="0"/>
+          <a:chExt cx="0" cy="0"/>
+        </a:xfrm>
+      </p:grpSpPr>
+      <p:sp>
+        <p:nvSpPr>
+          <p:cNvPr id="3" name="Titel 2"/>
+          <p:cNvSpPr>
+            <a:spLocks noGrp="1"/>
+          </p:cNvSpPr>
+          <p:nvPr>
+            <p:ph type="title"/>
+          </p:nvPr>
+        </p:nvSpPr>
+        <p:spPr/>
+        <p:txBody>
+          <a:bodyPr/>
+          <a:lstStyle/>
+          <a:p>
+            <a:r>
+              <a:rPr lang="de-DE" dirty="0" smtClean="0"/>
+              <a:t>Entwurf und Implementierung V</a:t>
+            </a:r>
+            <a:endParaRPr lang="de-DE" dirty="0"/>
+          </a:p>
+        </p:txBody>
+      </p:sp>
+      <p:pic>
+        <p:nvPicPr>
+          <p:cNvPr id="4" name="Picture 2" descr="D:\Lecker SVN\trunk\mockups\web\MainFirst.png"/>
+          <p:cNvPicPr>
+            <a:picLocks noChangeAspect="1" noChangeArrowheads="1"/>
+          </p:cNvPicPr>
+          <p:nvPr/>
+        </p:nvPicPr>
+        <p:blipFill>
+          <a:blip r:embed="rId2" cstate="print"/>
+          <a:stretch>
+            <a:fillRect/>
+          </a:stretch>
+        </p:blipFill>
+        <p:spPr bwMode="auto">
+          <a:xfrm>
+            <a:off x="1187624" y="1196752"/>
+            <a:ext cx="6768751" cy="4655854"/>
+          </a:xfrm>
+          <a:prstGeom prst="rect">
+            <a:avLst/>
+          </a:prstGeom>
+          <a:noFill/>
+        </p:spPr>
+      </p:pic>
+    </p:spTree>
+  </p:cSld>
+  <p:clrMapOvr>
+    <a:masterClrMapping/>
+  </p:clrMapOvr>
+  <p:transition>
+    <p:fade/>
+  </p:transition>
+  <p:timing>
+    <p:tnLst>
+      <p:par>
+        <p:cTn id="1" dur="indefinite" restart="never" nodeType="tmRoot"/>
+      </p:par>
+    </p:tnLst>
+  </p:timing>
+</p:sld>
+</file>
+
+<file path=ppt/slides/slide14.xml><?xml version="1.0" encoding="utf-8"?>
+<p:sld xmlns:a="http://schemas.openxmlformats.org/drawingml/2006/main" xmlns:r="http://schemas.openxmlformats.org/officeDocument/2006/relationships" xmlns:p="http://schemas.openxmlformats.org/presentationml/2006/main">
+  <p:cSld>
+    <p:spTree>
+      <p:nvGrpSpPr>
+        <p:cNvPr id="1" name=""/>
+        <p:cNvGrpSpPr/>
+        <p:nvPr/>
+      </p:nvGrpSpPr>
+      <p:grpSpPr>
+        <a:xfrm>
+          <a:off x="0" y="0"/>
+          <a:ext cx="0" cy="0"/>
+          <a:chOff x="0" y="0"/>
+          <a:chExt cx="0" cy="0"/>
+        </a:xfrm>
+      </p:grpSpPr>
+      <p:sp>
+        <p:nvSpPr>
+          <p:cNvPr id="3" name="Titel 2"/>
+          <p:cNvSpPr>
+            <a:spLocks noGrp="1"/>
+          </p:cNvSpPr>
+          <p:nvPr>
+            <p:ph type="title"/>
+          </p:nvPr>
+        </p:nvSpPr>
+        <p:spPr/>
+        <p:txBody>
+          <a:bodyPr/>
+          <a:lstStyle/>
+          <a:p>
+            <a:r>
+              <a:rPr lang="de-DE" dirty="0" smtClean="0"/>
+              <a:t>Entwurf und Implementierung </a:t>
+            </a:r>
+            <a:r>
+              <a:rPr lang="de-DE" dirty="0" smtClean="0"/>
+              <a:t>V</a:t>
+            </a:r>
+            <a:endParaRPr lang="de-DE" dirty="0"/>
+          </a:p>
+        </p:txBody>
+      </p:sp>
+      <p:pic>
+        <p:nvPicPr>
+          <p:cNvPr id="2050" name="Picture 2" descr="D:\Lecker SVN\trunk\mockups\web\MainFirst.png"/>
+          <p:cNvPicPr>
+            <a:picLocks noChangeAspect="1" noChangeArrowheads="1"/>
+          </p:cNvPicPr>
+          <p:nvPr/>
+        </p:nvPicPr>
+        <p:blipFill>
+          <a:blip r:embed="rId2" cstate="print"/>
+          <a:stretch>
+            <a:fillRect/>
+          </a:stretch>
+        </p:blipFill>
+        <p:spPr bwMode="auto">
+          <a:xfrm>
+            <a:off x="898868" y="1317563"/>
+            <a:ext cx="7634295" cy="4222874"/>
+          </a:xfrm>
+          <a:prstGeom prst="rect">
+            <a:avLst/>
+          </a:prstGeom>
+          <a:noFill/>
+        </p:spPr>
+      </p:pic>
+    </p:spTree>
+  </p:cSld>
+  <p:clrMapOvr>
+    <a:masterClrMapping/>
+  </p:clrMapOvr>
+  <p:transition>
+    <p:fade/>
+  </p:transition>
+  <p:timing>
+    <p:tnLst>
+      <p:par>
+        <p:cTn id="1" dur="indefinite" restart="never" nodeType="tmRoot"/>
+      </p:par>
+    </p:tnLst>
+  </p:timing>
+</p:sld>
+</file>
+
+<file path=ppt/slides/slide15.xml><?xml version="1.0" encoding="utf-8"?>
+<p:sld xmlns:a="http://schemas.openxmlformats.org/drawingml/2006/main" xmlns:r="http://schemas.openxmlformats.org/officeDocument/2006/relationships" xmlns:p="http://schemas.openxmlformats.org/presentationml/2006/main">
+  <p:cSld>
+    <p:spTree>
+      <p:nvGrpSpPr>
+        <p:cNvPr id="1" name=""/>
+        <p:cNvGrpSpPr/>
+        <p:nvPr/>
+      </p:nvGrpSpPr>
+      <p:grpSpPr>
+        <a:xfrm>
+          <a:off x="0" y="0"/>
+          <a:ext cx="0" cy="0"/>
+          <a:chOff x="0" y="0"/>
+          <a:chExt cx="0" cy="0"/>
+        </a:xfrm>
+      </p:grpSpPr>
+      <p:sp>
+        <p:nvSpPr>
+          <p:cNvPr id="3" name="Titel 2"/>
+          <p:cNvSpPr>
+            <a:spLocks noGrp="1"/>
+          </p:cNvSpPr>
+          <p:nvPr>
+            <p:ph type="title"/>
+          </p:nvPr>
+        </p:nvSpPr>
+        <p:spPr/>
+        <p:txBody>
+          <a:bodyPr/>
+          <a:lstStyle/>
+          <a:p>
+            <a:r>
+              <a:rPr lang="de-DE" dirty="0" smtClean="0"/>
+              <a:t>Entwurf und Implementierung </a:t>
+            </a:r>
+            <a:r>
+              <a:rPr lang="de-DE" dirty="0" smtClean="0"/>
+              <a:t>VI</a:t>
+            </a:r>
+            <a:endParaRPr lang="de-DE" dirty="0"/>
+          </a:p>
+        </p:txBody>
+      </p:sp>
+      <p:pic>
+        <p:nvPicPr>
+          <p:cNvPr id="4" name="Picture 2" descr="D:\Lecker SVN\trunk\mockups\web\MainFirst.png"/>
+          <p:cNvPicPr>
+            <a:picLocks noChangeAspect="1" noChangeArrowheads="1"/>
+          </p:cNvPicPr>
+          <p:nvPr/>
+        </p:nvPicPr>
+        <p:blipFill>
+          <a:blip r:embed="rId2" cstate="print"/>
+          <a:stretch>
+            <a:fillRect/>
+          </a:stretch>
+        </p:blipFill>
+        <p:spPr bwMode="auto">
+          <a:xfrm>
+            <a:off x="1187624" y="1196752"/>
+            <a:ext cx="6768751" cy="4655853"/>
+          </a:xfrm>
+          <a:prstGeom prst="rect">
+            <a:avLst/>
+          </a:prstGeom>
+          <a:noFill/>
+        </p:spPr>
+      </p:pic>
+    </p:spTree>
+  </p:cSld>
+  <p:clrMapOvr>
+    <a:masterClrMapping/>
+  </p:clrMapOvr>
+  <p:transition>
+    <p:fade/>
+  </p:transition>
+  <p:timing>
+    <p:tnLst>
+      <p:par>
+        <p:cTn id="1" dur="indefinite" restart="never" nodeType="tmRoot"/>
+      </p:par>
+    </p:tnLst>
+  </p:timing>
+</p:sld>
+</file>
+
+<file path=ppt/slides/slide16.xml><?xml version="1.0" encoding="utf-8"?>
+<p:sld xmlns:a="http://schemas.openxmlformats.org/drawingml/2006/main" xmlns:r="http://schemas.openxmlformats.org/officeDocument/2006/relationships" xmlns:p="http://schemas.openxmlformats.org/presentationml/2006/main">
+  <p:cSld>
+    <p:spTree>
+      <p:nvGrpSpPr>
+        <p:cNvPr id="1" name=""/>
+        <p:cNvGrpSpPr/>
+        <p:nvPr/>
+      </p:nvGrpSpPr>
+      <p:grpSpPr>
+        <a:xfrm>
+          <a:off x="0" y="0"/>
+          <a:ext cx="0" cy="0"/>
+          <a:chOff x="0" y="0"/>
+          <a:chExt cx="0" cy="0"/>
+        </a:xfrm>
+      </p:grpSpPr>
+      <p:sp>
+        <p:nvSpPr>
+          <p:cNvPr id="3" name="Titel 2"/>
+          <p:cNvSpPr>
+            <a:spLocks noGrp="1"/>
+          </p:cNvSpPr>
+          <p:nvPr>
+            <p:ph type="title"/>
+          </p:nvPr>
+        </p:nvSpPr>
+        <p:spPr/>
+        <p:txBody>
+          <a:bodyPr/>
+          <a:lstStyle/>
+          <a:p>
+            <a:r>
+              <a:rPr lang="de-DE" dirty="0" smtClean="0"/>
+              <a:t>Entwurf und Implementierung </a:t>
+            </a:r>
+            <a:r>
+              <a:rPr lang="de-DE" dirty="0" smtClean="0"/>
+              <a:t>VI</a:t>
+            </a:r>
+            <a:endParaRPr lang="de-DE" dirty="0"/>
+          </a:p>
+        </p:txBody>
+      </p:sp>
+      <p:pic>
+        <p:nvPicPr>
+          <p:cNvPr id="2050" name="Picture 2" descr="D:\Lecker SVN\trunk\mockups\web\MainFirst.png"/>
+          <p:cNvPicPr>
+            <a:picLocks noChangeAspect="1" noChangeArrowheads="1"/>
+          </p:cNvPicPr>
+          <p:nvPr/>
+        </p:nvPicPr>
+        <p:blipFill>
+          <a:blip r:embed="rId2" cstate="print"/>
+          <a:stretch>
+            <a:fillRect/>
+          </a:stretch>
+        </p:blipFill>
+        <p:spPr bwMode="auto">
+          <a:xfrm>
+            <a:off x="898868" y="2361840"/>
+            <a:ext cx="7634295" cy="2134319"/>
+          </a:xfrm>
+          <a:prstGeom prst="rect">
+            <a:avLst/>
+          </a:prstGeom>
+          <a:noFill/>
+        </p:spPr>
+      </p:pic>
+    </p:spTree>
+  </p:cSld>
+  <p:clrMapOvr>
+    <a:masterClrMapping/>
+  </p:clrMapOvr>
+  <p:transition>
+    <p:fade/>
+  </p:transition>
+  <p:timing>
+    <p:tnLst>
+      <p:par>
+        <p:cTn id="1" dur="indefinite" restart="never" nodeType="tmRoot"/>
+      </p:par>
+    </p:tnLst>
+  </p:timing>
+</p:sld>
+</file>
+
+<file path=ppt/slides/slide17.xml><?xml version="1.0" encoding="utf-8"?>
+<p:sld xmlns:a="http://schemas.openxmlformats.org/drawingml/2006/main" xmlns:r="http://schemas.openxmlformats.org/officeDocument/2006/relationships" xmlns:p="http://schemas.openxmlformats.org/presentationml/2006/main">
+  <p:cSld>
+    <p:spTree>
+      <p:nvGrpSpPr>
+        <p:cNvPr id="1" name=""/>
+        <p:cNvGrpSpPr/>
+        <p:nvPr/>
+      </p:nvGrpSpPr>
+      <p:grpSpPr>
+        <a:xfrm>
+          <a:off x="0" y="0"/>
+          <a:ext cx="0" cy="0"/>
+          <a:chOff x="0" y="0"/>
+          <a:chExt cx="0" cy="0"/>
+        </a:xfrm>
+      </p:grpSpPr>
+      <p:sp>
+        <p:nvSpPr>
+          <p:cNvPr id="3" name="Titel 2"/>
+          <p:cNvSpPr>
+            <a:spLocks noGrp="1"/>
+          </p:cNvSpPr>
+          <p:nvPr>
+            <p:ph type="title"/>
+          </p:nvPr>
+        </p:nvSpPr>
+        <p:spPr/>
+        <p:txBody>
+          <a:bodyPr/>
+          <a:lstStyle/>
+          <a:p>
+            <a:r>
+              <a:rPr lang="de-DE" dirty="0" smtClean="0"/>
+              <a:t>Entwurf und Implementierung </a:t>
+            </a:r>
+            <a:r>
+              <a:rPr lang="de-DE" dirty="0" smtClean="0"/>
+              <a:t>VII</a:t>
+            </a:r>
+            <a:endParaRPr lang="de-DE" dirty="0"/>
+          </a:p>
+        </p:txBody>
+      </p:sp>
+      <p:pic>
+        <p:nvPicPr>
+          <p:cNvPr id="4" name="Picture 2" descr="D:\Lecker SVN\trunk\mockups\web\MainFirst.png"/>
+          <p:cNvPicPr>
+            <a:picLocks noChangeAspect="1" noChangeArrowheads="1"/>
+          </p:cNvPicPr>
+          <p:nvPr/>
+        </p:nvPicPr>
+        <p:blipFill>
+          <a:blip r:embed="rId2" cstate="print"/>
+          <a:stretch>
+            <a:fillRect/>
+          </a:stretch>
+        </p:blipFill>
+        <p:spPr bwMode="auto">
+          <a:xfrm>
+            <a:off x="3284793" y="1196752"/>
+            <a:ext cx="2574412" cy="4655853"/>
+          </a:xfrm>
+          <a:prstGeom prst="rect">
+            <a:avLst/>
+          </a:prstGeom>
+          <a:noFill/>
+        </p:spPr>
+      </p:pic>
+    </p:spTree>
+  </p:cSld>
+  <p:clrMapOvr>
+    <a:masterClrMapping/>
+  </p:clrMapOvr>
+  <p:transition>
+    <p:fade/>
+  </p:transition>
+  <p:timing>
+    <p:tnLst>
+      <p:par>
+        <p:cTn id="1" dur="indefinite" restart="never" nodeType="tmRoot"/>
+      </p:par>
+    </p:tnLst>
+  </p:timing>
+</p:sld>
+</file>
+
+<file path=ppt/slides/slide18.xml><?xml version="1.0" encoding="utf-8"?>
+<p:sld xmlns:a="http://schemas.openxmlformats.org/drawingml/2006/main" xmlns:r="http://schemas.openxmlformats.org/officeDocument/2006/relationships" xmlns:p="http://schemas.openxmlformats.org/presentationml/2006/main">
+  <p:cSld>
+    <p:spTree>
+      <p:nvGrpSpPr>
+        <p:cNvPr id="1" name=""/>
+        <p:cNvGrpSpPr/>
+        <p:nvPr/>
+      </p:nvGrpSpPr>
+      <p:grpSpPr>
+        <a:xfrm>
+          <a:off x="0" y="0"/>
+          <a:ext cx="0" cy="0"/>
+          <a:chOff x="0" y="0"/>
+          <a:chExt cx="0" cy="0"/>
+        </a:xfrm>
+      </p:grpSpPr>
+      <p:sp>
+        <p:nvSpPr>
+          <p:cNvPr id="3" name="Titel 2"/>
+          <p:cNvSpPr>
+            <a:spLocks noGrp="1"/>
+          </p:cNvSpPr>
+          <p:nvPr>
+            <p:ph type="title"/>
+          </p:nvPr>
+        </p:nvSpPr>
+        <p:spPr/>
+        <p:txBody>
+          <a:bodyPr/>
+          <a:lstStyle/>
+          <a:p>
+            <a:r>
+              <a:rPr lang="de-DE" dirty="0" smtClean="0"/>
+              <a:t>Entwurf und Implementierung </a:t>
+            </a:r>
+            <a:r>
+              <a:rPr lang="de-DE" dirty="0" smtClean="0"/>
+              <a:t>VII</a:t>
+            </a:r>
+            <a:endParaRPr lang="de-DE" dirty="0"/>
+          </a:p>
+        </p:txBody>
+      </p:sp>
+      <p:pic>
+        <p:nvPicPr>
+          <p:cNvPr id="6" name="Picture 2" descr="D:\Lecker SVN\trunk\mockups\web\MainFirst.png"/>
+          <p:cNvPicPr>
+            <a:picLocks noChangeAspect="1" noChangeArrowheads="1"/>
+          </p:cNvPicPr>
+          <p:nvPr/>
+        </p:nvPicPr>
+        <p:blipFill>
+          <a:blip r:embed="rId2" cstate="print"/>
+          <a:stretch>
+            <a:fillRect/>
+          </a:stretch>
+        </p:blipFill>
+        <p:spPr bwMode="auto">
+          <a:xfrm>
+            <a:off x="3284793" y="1712723"/>
+            <a:ext cx="2574412" cy="3623910"/>
+          </a:xfrm>
+          <a:prstGeom prst="rect">
+            <a:avLst/>
+          </a:prstGeom>
+          <a:noFill/>
+        </p:spPr>
+      </p:pic>
+    </p:spTree>
+  </p:cSld>
+  <p:clrMapOvr>
+    <a:masterClrMapping/>
+  </p:clrMapOvr>
+  <p:transition>
+    <p:fade/>
+  </p:transition>
+  <p:timing>
+    <p:tnLst>
+      <p:par>
+        <p:cTn id="1" dur="indefinite" restart="never" nodeType="tmRoot"/>
+      </p:par>
+    </p:tnLst>
+  </p:timing>
+</p:sld>
+</file>
+
+<file path=ppt/slides/slide19.xml><?xml version="1.0" encoding="utf-8"?>
+<p:sld xmlns:a="http://schemas.openxmlformats.org/drawingml/2006/main" xmlns:r="http://schemas.openxmlformats.org/officeDocument/2006/relationships" xmlns:p="http://schemas.openxmlformats.org/presentationml/2006/main">
+  <p:cSld>
+    <p:spTree>
+      <p:nvGrpSpPr>
+        <p:cNvPr id="1" name=""/>
+        <p:cNvGrpSpPr/>
+        <p:nvPr/>
+      </p:nvGrpSpPr>
+      <p:grpSpPr>
+        <a:xfrm>
+          <a:off x="0" y="0"/>
+          <a:ext cx="0" cy="0"/>
+          <a:chOff x="0" y="0"/>
+          <a:chExt cx="0" cy="0"/>
+        </a:xfrm>
+      </p:grpSpPr>
+      <p:sp>
+        <p:nvSpPr>
+          <p:cNvPr id="3" name="Titel 2"/>
+          <p:cNvSpPr>
+            <a:spLocks noGrp="1"/>
+          </p:cNvSpPr>
+          <p:nvPr>
+            <p:ph type="title"/>
+          </p:nvPr>
+        </p:nvSpPr>
+        <p:spPr/>
+        <p:txBody>
+          <a:bodyPr/>
+          <a:lstStyle/>
+          <a:p>
+            <a:r>
+              <a:rPr lang="de-DE" dirty="0" smtClean="0"/>
+              <a:t>Entwurf und Implementierung </a:t>
+            </a:r>
+            <a:r>
+              <a:rPr lang="de-DE" dirty="0" smtClean="0"/>
+              <a:t>VIII</a:t>
+            </a:r>
+            <a:endParaRPr lang="de-DE" dirty="0"/>
+          </a:p>
+        </p:txBody>
+      </p:sp>
+      <p:pic>
+        <p:nvPicPr>
+          <p:cNvPr id="4" name="Picture 2" descr="D:\Lecker SVN\trunk\mockups\web\MainFirst.png"/>
+          <p:cNvPicPr>
+            <a:picLocks noChangeAspect="1" noChangeArrowheads="1"/>
+          </p:cNvPicPr>
+          <p:nvPr/>
+        </p:nvPicPr>
+        <p:blipFill>
+          <a:blip r:embed="rId2" cstate="print"/>
+          <a:stretch>
+            <a:fillRect/>
+          </a:stretch>
+        </p:blipFill>
+        <p:spPr bwMode="auto">
+          <a:xfrm>
+            <a:off x="3284793" y="1196753"/>
+            <a:ext cx="2574412" cy="4655851"/>
+          </a:xfrm>
+          <a:prstGeom prst="rect">
+            <a:avLst/>
+          </a:prstGeom>
+          <a:noFill/>
+        </p:spPr>
+      </p:pic>
+    </p:spTree>
+  </p:cSld>
+  <p:clrMapOvr>
+    <a:masterClrMapping/>
+  </p:clrMapOvr>
+  <p:transition>
+    <p:fade/>
+  </p:transition>
+  <p:timing>
+    <p:tnLst>
+      <p:par>
+        <p:cTn id="1" dur="indefinite" restart="never" nodeType="tmRoot"/>
+      </p:par>
+    </p:tnLst>
+  </p:timing>
+</p:sld>
+</file>
+
+<file path=ppt/slides/slide2.xml><?xml version="1.0" encoding="utf-8"?>
+<p:sld xmlns:a="http://schemas.openxmlformats.org/drawingml/2006/main" xmlns:r="http://schemas.openxmlformats.org/officeDocument/2006/relationships" xmlns:p="http://schemas.openxmlformats.org/presentationml/2006/main">
+  <p:cSld>
+    <p:spTree>
+      <p:nvGrpSpPr>
+        <p:cNvPr id="1" name=""/>
+        <p:cNvGrpSpPr/>
+        <p:nvPr/>
+      </p:nvGrpSpPr>
+      <p:grpSpPr>
+        <a:xfrm>
+          <a:off x="0" y="0"/>
+          <a:ext cx="0" cy="0"/>
+          <a:chOff x="0" y="0"/>
+          <a:chExt cx="0" cy="0"/>
+        </a:xfrm>
+      </p:grpSpPr>
+      <p:sp>
+        <p:nvSpPr>
+          <p:cNvPr id="2" name="Inhaltsplatzhalter 1"/>
+          <p:cNvSpPr>
+            <a:spLocks noGrp="1"/>
+          </p:cNvSpPr>
+          <p:nvPr>
+            <p:ph idx="1"/>
+          </p:nvPr>
+        </p:nvSpPr>
+        <p:spPr/>
+        <p:txBody>
+          <a:bodyPr/>
+          <a:lstStyle/>
+          <a:p>
+            <a:r>
+              <a:rPr lang="de-DE" dirty="0" smtClean="0"/>
+              <a:t>Thema &amp; Motivation</a:t>
+            </a:r>
+          </a:p>
+          <a:p>
+            <a:r>
+              <a:rPr lang="de-DE" dirty="0" smtClean="0"/>
+              <a:t>Entwurf und Implementierung</a:t>
+            </a:r>
+          </a:p>
+          <a:p>
+            <a:r>
+              <a:rPr lang="de-DE" dirty="0" smtClean="0"/>
+              <a:t>Zielvereinbarung</a:t>
+            </a:r>
+          </a:p>
+          <a:p>
+            <a:r>
+              <a:rPr lang="de-DE" dirty="0" smtClean="0"/>
+              <a:t>Live Demo</a:t>
+            </a:r>
+          </a:p>
+          <a:p>
+            <a:r>
+              <a:rPr lang="de-DE" dirty="0" smtClean="0"/>
+              <a:t>Ausblick</a:t>
+            </a:r>
+            <a:endParaRPr lang="de-DE" dirty="0"/>
+          </a:p>
+        </p:txBody>
+      </p:sp>
+      <p:sp>
+        <p:nvSpPr>
+          <p:cNvPr id="3" name="Titel 2"/>
+          <p:cNvSpPr>
+            <a:spLocks noGrp="1"/>
+          </p:cNvSpPr>
+          <p:nvPr>
+            <p:ph type="title"/>
+          </p:nvPr>
+        </p:nvSpPr>
+        <p:spPr/>
+        <p:txBody>
+          <a:bodyPr/>
+          <a:lstStyle/>
+          <a:p>
+            <a:r>
+              <a:rPr lang="de-DE" dirty="0" smtClean="0"/>
+              <a:t>Inhalt</a:t>
+            </a:r>
+            <a:endParaRPr lang="de-DE" dirty="0"/>
+          </a:p>
+        </p:txBody>
+      </p:sp>
+    </p:spTree>
+  </p:cSld>
+  <p:clrMapOvr>
+    <a:masterClrMapping/>
+  </p:clrMapOvr>
+  <p:transition>
+    <p:fade/>
+  </p:transition>
+  <p:timing>
+    <p:tnLst>
+      <p:par>
+        <p:cTn id="1" dur="indefinite" restart="never" nodeType="tmRoot"/>
+      </p:par>
+    </p:tnLst>
+  </p:timing>
+</p:sld>
+</file>
+
+<file path=ppt/slides/slide20.xml><?xml version="1.0" encoding="utf-8"?>
+<p:sld xmlns:a="http://schemas.openxmlformats.org/drawingml/2006/main" xmlns:r="http://schemas.openxmlformats.org/officeDocument/2006/relationships" xmlns:p="http://schemas.openxmlformats.org/presentationml/2006/main">
+  <p:cSld>
+    <p:spTree>
+      <p:nvGrpSpPr>
+        <p:cNvPr id="1" name=""/>
+        <p:cNvGrpSpPr/>
+        <p:nvPr/>
+      </p:nvGrpSpPr>
+      <p:grpSpPr>
+        <a:xfrm>
+          <a:off x="0" y="0"/>
+          <a:ext cx="0" cy="0"/>
+          <a:chOff x="0" y="0"/>
+          <a:chExt cx="0" cy="0"/>
+        </a:xfrm>
+      </p:grpSpPr>
+      <p:sp>
+        <p:nvSpPr>
+          <p:cNvPr id="3" name="Titel 2"/>
+          <p:cNvSpPr>
+            <a:spLocks noGrp="1"/>
+          </p:cNvSpPr>
+          <p:nvPr>
+            <p:ph type="title"/>
+          </p:nvPr>
+        </p:nvSpPr>
+        <p:spPr/>
+        <p:txBody>
+          <a:bodyPr/>
+          <a:lstStyle/>
+          <a:p>
+            <a:r>
+              <a:rPr lang="de-DE" dirty="0" smtClean="0"/>
+              <a:t>Entwurf und Implementierung </a:t>
+            </a:r>
+            <a:r>
+              <a:rPr lang="de-DE" dirty="0" smtClean="0"/>
+              <a:t>VIII</a:t>
+            </a:r>
+            <a:endParaRPr lang="de-DE" dirty="0"/>
+          </a:p>
+        </p:txBody>
+      </p:sp>
+      <p:pic>
+        <p:nvPicPr>
+          <p:cNvPr id="4" name="Picture 2" descr="D:\Lecker SVN\trunk\mockups\web\MainFirst.png"/>
+          <p:cNvPicPr>
+            <a:picLocks noChangeAspect="1" noChangeArrowheads="1"/>
+          </p:cNvPicPr>
+          <p:nvPr/>
+        </p:nvPicPr>
+        <p:blipFill>
+          <a:blip r:embed="rId2" cstate="print"/>
+          <a:stretch>
+            <a:fillRect/>
+          </a:stretch>
+        </p:blipFill>
+        <p:spPr bwMode="auto">
+          <a:xfrm>
+            <a:off x="3284793" y="1772528"/>
+            <a:ext cx="2574412" cy="3504300"/>
+          </a:xfrm>
+          <a:prstGeom prst="rect">
+            <a:avLst/>
+          </a:prstGeom>
+          <a:noFill/>
+        </p:spPr>
+      </p:pic>
+    </p:spTree>
+  </p:cSld>
+  <p:clrMapOvr>
+    <a:masterClrMapping/>
+  </p:clrMapOvr>
+  <p:transition>
+    <p:fade/>
+  </p:transition>
+  <p:timing>
+    <p:tnLst>
+      <p:par>
+        <p:cTn id="1" dur="indefinite" restart="never" nodeType="tmRoot"/>
+      </p:par>
+    </p:tnLst>
+  </p:timing>
+</p:sld>
+</file>
+
+<file path=ppt/slides/slide21.xml><?xml version="1.0" encoding="utf-8"?>
+<p:sld xmlns:a="http://schemas.openxmlformats.org/drawingml/2006/main" xmlns:r="http://schemas.openxmlformats.org/officeDocument/2006/relationships" xmlns:p="http://schemas.openxmlformats.org/presentationml/2006/main">
+  <p:cSld>
+    <p:spTree>
+      <p:nvGrpSpPr>
+        <p:cNvPr id="1" name=""/>
+        <p:cNvGrpSpPr/>
+        <p:nvPr/>
+      </p:nvGrpSpPr>
+      <p:grpSpPr>
+        <a:xfrm>
+          <a:off x="0" y="0"/>
+          <a:ext cx="0" cy="0"/>
+          <a:chOff x="0" y="0"/>
+          <a:chExt cx="0" cy="0"/>
+        </a:xfrm>
+      </p:grpSpPr>
+      <p:sp>
+        <p:nvSpPr>
+          <p:cNvPr id="3" name="Titel 2"/>
+          <p:cNvSpPr>
+            <a:spLocks noGrp="1"/>
+          </p:cNvSpPr>
+          <p:nvPr>
+            <p:ph type="title"/>
+          </p:nvPr>
+        </p:nvSpPr>
+        <p:spPr/>
+        <p:txBody>
+          <a:bodyPr/>
+          <a:lstStyle/>
+          <a:p>
+            <a:r>
+              <a:rPr lang="de-DE" dirty="0" smtClean="0"/>
+              <a:t>Entwurf und Implementierung </a:t>
+            </a:r>
+            <a:r>
+              <a:rPr lang="de-DE" dirty="0" smtClean="0"/>
+              <a:t>IX</a:t>
+            </a:r>
+            <a:endParaRPr lang="de-DE" dirty="0"/>
+          </a:p>
+        </p:txBody>
+      </p:sp>
+      <p:pic>
+        <p:nvPicPr>
+          <p:cNvPr id="4" name="Picture 2" descr="D:\Lecker SVN\trunk\mockups\web\MainFirst.png"/>
+          <p:cNvPicPr>
+            <a:picLocks noChangeAspect="1" noChangeArrowheads="1"/>
+          </p:cNvPicPr>
+          <p:nvPr/>
+        </p:nvPicPr>
+        <p:blipFill>
+          <a:blip r:embed="rId2" cstate="print"/>
+          <a:stretch>
+            <a:fillRect/>
+          </a:stretch>
+        </p:blipFill>
+        <p:spPr bwMode="auto">
+          <a:xfrm>
+            <a:off x="3284793" y="1196753"/>
+            <a:ext cx="2574411" cy="4655851"/>
+          </a:xfrm>
+          <a:prstGeom prst="rect">
+            <a:avLst/>
+          </a:prstGeom>
+          <a:noFill/>
+        </p:spPr>
+      </p:pic>
+    </p:spTree>
+  </p:cSld>
+  <p:clrMapOvr>
+    <a:masterClrMapping/>
+  </p:clrMapOvr>
+  <p:transition>
+    <p:fade/>
+  </p:transition>
+  <p:timing>
+    <p:tnLst>
+      <p:par>
+        <p:cTn id="1" dur="indefinite" restart="never" nodeType="tmRoot"/>
+      </p:par>
+    </p:tnLst>
+  </p:timing>
+</p:sld>
+</file>
+
+<file path=ppt/slides/slide22.xml><?xml version="1.0" encoding="utf-8"?>
+<p:sld xmlns:a="http://schemas.openxmlformats.org/drawingml/2006/main" xmlns:r="http://schemas.openxmlformats.org/officeDocument/2006/relationships" xmlns:p="http://schemas.openxmlformats.org/presentationml/2006/main">
+  <p:cSld>
+    <p:spTree>
+      <p:nvGrpSpPr>
+        <p:cNvPr id="1" name=""/>
+        <p:cNvGrpSpPr/>
+        <p:nvPr/>
+      </p:nvGrpSpPr>
+      <p:grpSpPr>
+        <a:xfrm>
+          <a:off x="0" y="0"/>
+          <a:ext cx="0" cy="0"/>
+          <a:chOff x="0" y="0"/>
+          <a:chExt cx="0" cy="0"/>
+        </a:xfrm>
+      </p:grpSpPr>
+      <p:sp>
+        <p:nvSpPr>
+          <p:cNvPr id="3" name="Titel 2"/>
+          <p:cNvSpPr>
+            <a:spLocks noGrp="1"/>
+          </p:cNvSpPr>
+          <p:nvPr>
+            <p:ph type="title"/>
+          </p:nvPr>
+        </p:nvSpPr>
+        <p:spPr/>
+        <p:txBody>
+          <a:bodyPr/>
+          <a:lstStyle/>
+          <a:p>
+            <a:r>
+              <a:rPr lang="de-DE" dirty="0" smtClean="0"/>
+              <a:t>Entwurf und Implementierung </a:t>
+            </a:r>
+            <a:r>
+              <a:rPr lang="de-DE" dirty="0" smtClean="0"/>
+              <a:t>IX</a:t>
+            </a:r>
+            <a:endParaRPr lang="de-DE" dirty="0"/>
+          </a:p>
+        </p:txBody>
+      </p:sp>
+      <p:pic>
+        <p:nvPicPr>
+          <p:cNvPr id="4" name="Picture 2" descr="D:\Lecker SVN\trunk\mockups\web\MainFirst.png"/>
+          <p:cNvPicPr>
+            <a:picLocks noChangeAspect="1" noChangeArrowheads="1"/>
+          </p:cNvPicPr>
+          <p:nvPr/>
+        </p:nvPicPr>
+        <p:blipFill>
+          <a:blip r:embed="rId2" cstate="print"/>
+          <a:stretch>
+            <a:fillRect/>
+          </a:stretch>
+        </p:blipFill>
+        <p:spPr bwMode="auto">
+          <a:xfrm>
+            <a:off x="3284793" y="1614632"/>
+            <a:ext cx="2574411" cy="3820093"/>
+          </a:xfrm>
+          <a:prstGeom prst="rect">
+            <a:avLst/>
+          </a:prstGeom>
+          <a:noFill/>
+        </p:spPr>
+      </p:pic>
+    </p:spTree>
+  </p:cSld>
+  <p:clrMapOvr>
+    <a:masterClrMapping/>
+  </p:clrMapOvr>
+  <p:transition>
+    <p:fade/>
+  </p:transition>
+  <p:timing>
+    <p:tnLst>
+      <p:par>
+        <p:cTn id="1" dur="indefinite" restart="never" nodeType="tmRoot"/>
+      </p:par>
+    </p:tnLst>
+  </p:timing>
+</p:sld>
+</file>
+
+<file path=ppt/slides/slide23.xml><?xml version="1.0" encoding="utf-8"?>
+<p:sld xmlns:a="http://schemas.openxmlformats.org/drawingml/2006/main" xmlns:r="http://schemas.openxmlformats.org/officeDocument/2006/relationships" xmlns:p="http://schemas.openxmlformats.org/presentationml/2006/main">
+  <p:cSld>
+    <p:spTree>
+      <p:nvGrpSpPr>
+        <p:cNvPr id="1" name=""/>
+        <p:cNvGrpSpPr/>
+        <p:nvPr/>
+      </p:nvGrpSpPr>
+      <p:grpSpPr>
+        <a:xfrm>
+          <a:off x="0" y="0"/>
+          <a:ext cx="0" cy="0"/>
+          <a:chOff x="0" y="0"/>
+          <a:chExt cx="0" cy="0"/>
+        </a:xfrm>
+      </p:grpSpPr>
+      <p:sp>
+        <p:nvSpPr>
+          <p:cNvPr id="3" name="Titel 2"/>
+          <p:cNvSpPr>
+            <a:spLocks noGrp="1"/>
+          </p:cNvSpPr>
+          <p:nvPr>
+            <p:ph type="title"/>
+          </p:nvPr>
+        </p:nvSpPr>
+        <p:spPr/>
+        <p:txBody>
+          <a:bodyPr/>
+          <a:lstStyle/>
+          <a:p>
+            <a:r>
+              <a:rPr lang="de-DE" dirty="0" smtClean="0"/>
+              <a:t>Entwurf und Implementierung </a:t>
+            </a:r>
+            <a:r>
+              <a:rPr lang="de-DE" dirty="0" smtClean="0"/>
+              <a:t>X</a:t>
+            </a:r>
+            <a:endParaRPr lang="de-DE" dirty="0"/>
+          </a:p>
+        </p:txBody>
+      </p:sp>
+      <p:pic>
+        <p:nvPicPr>
+          <p:cNvPr id="3074" name="Picture 2" descr="D:\Lecker SVN\trunk\praesentationen\MVP.png"/>
+          <p:cNvPicPr>
+            <a:picLocks noChangeAspect="1" noChangeArrowheads="1"/>
+          </p:cNvPicPr>
+          <p:nvPr/>
+        </p:nvPicPr>
+        <p:blipFill>
+          <a:blip r:embed="rId2" cstate="print"/>
+          <a:stretch>
+            <a:fillRect/>
+          </a:stretch>
+        </p:blipFill>
+        <p:spPr bwMode="auto">
+          <a:xfrm>
+            <a:off x="3755420" y="1124744"/>
+            <a:ext cx="1633161" cy="5373984"/>
+          </a:xfrm>
+          <a:prstGeom prst="rect">
+            <a:avLst/>
+          </a:prstGeom>
+          <a:noFill/>
+        </p:spPr>
+      </p:pic>
+    </p:spTree>
+  </p:cSld>
+  <p:clrMapOvr>
+    <a:masterClrMapping/>
+  </p:clrMapOvr>
+  <p:transition>
+    <p:fade/>
+  </p:transition>
+  <p:timing>
+    <p:tnLst>
+      <p:par>
+        <p:cTn id="1" dur="indefinite" restart="never" nodeType="tmRoot"/>
+      </p:par>
+    </p:tnLst>
+  </p:timing>
+</p:sld>
+</file>
+
+<file path=ppt/slides/slide24.xml><?xml version="1.0" encoding="utf-8"?>
+<p:sld xmlns:a="http://schemas.openxmlformats.org/drawingml/2006/main" xmlns:r="http://schemas.openxmlformats.org/officeDocument/2006/relationships" xmlns:p="http://schemas.openxmlformats.org/presentationml/2006/main">
+  <p:cSld>
+    <p:spTree>
+      <p:nvGrpSpPr>
+        <p:cNvPr id="1" name=""/>
+        <p:cNvGrpSpPr/>
+        <p:nvPr/>
+      </p:nvGrpSpPr>
+      <p:grpSpPr>
+        <a:xfrm>
+          <a:off x="0" y="0"/>
+          <a:ext cx="0" cy="0"/>
+          <a:chOff x="0" y="0"/>
+          <a:chExt cx="0" cy="0"/>
+        </a:xfrm>
+      </p:grpSpPr>
+      <p:sp>
+        <p:nvSpPr>
+          <p:cNvPr id="4" name="Titel 3"/>
+          <p:cNvSpPr>
+            <a:spLocks noGrp="1"/>
+          </p:cNvSpPr>
+          <p:nvPr>
+            <p:ph type="title"/>
+          </p:nvPr>
+        </p:nvSpPr>
+        <p:spPr/>
+        <p:txBody>
+          <a:bodyPr/>
+          <a:lstStyle/>
+          <a:p>
+            <a:r>
+              <a:rPr lang="de-DE" dirty="0" smtClean="0"/>
+              <a:t>Zielvereinbarung</a:t>
+            </a:r>
+            <a:endParaRPr lang="de-DE" dirty="0"/>
+          </a:p>
+        </p:txBody>
+      </p:sp>
+    </p:spTree>
+  </p:cSld>
+  <p:clrMapOvr>
+    <a:masterClrMapping/>
+  </p:clrMapOvr>
+  <p:transition>
+    <p:fade/>
+  </p:transition>
+  <p:timing>
+    <p:tnLst>
+      <p:par>
+        <p:cTn id="1" dur="indefinite" restart="never" nodeType="tmRoot"/>
+      </p:par>
+    </p:tnLst>
+  </p:timing>
+</p:sld>
+</file>
+
+<file path=ppt/slides/slide25.xml><?xml version="1.0" encoding="utf-8"?>
+<p:sld xmlns:a="http://schemas.openxmlformats.org/drawingml/2006/main" xmlns:r="http://schemas.openxmlformats.org/officeDocument/2006/relationships" xmlns:p="http://schemas.openxmlformats.org/presentationml/2006/main">
+  <p:cSld>
+    <p:spTree>
+      <p:nvGrpSpPr>
+        <p:cNvPr id="1" name=""/>
+        <p:cNvGrpSpPr/>
+        <p:nvPr/>
+      </p:nvGrpSpPr>
+      <p:grpSpPr>
+        <a:xfrm>
+          <a:off x="0" y="0"/>
+          <a:ext cx="0" cy="0"/>
+          <a:chOff x="0" y="0"/>
+          <a:chExt cx="0" cy="0"/>
+        </a:xfrm>
+      </p:grpSpPr>
+      <p:sp>
+        <p:nvSpPr>
+          <p:cNvPr id="2" name="Inhaltsplatzhalter 1"/>
+          <p:cNvSpPr>
+            <a:spLocks noGrp="1"/>
+          </p:cNvSpPr>
+          <p:nvPr>
+            <p:ph idx="1"/>
+          </p:nvPr>
+        </p:nvSpPr>
+        <p:spPr>
+          <a:xfrm>
+            <a:off x="457200" y="1340768"/>
+            <a:ext cx="8229600" cy="4536504"/>
+          </a:xfrm>
+        </p:spPr>
+        <p:txBody>
+          <a:bodyPr>
+            <a:normAutofit/>
+          </a:bodyPr>
+          <a:lstStyle/>
+          <a:p>
+            <a:r>
+              <a:rPr lang="de-DE" sz="2400" dirty="0" smtClean="0">
+                <a:solidFill>
+                  <a:srgbClr val="FF0000"/>
+                </a:solidFill>
+              </a:rPr>
+              <a:t>HTML</a:t>
+            </a:r>
+          </a:p>
+          <a:p>
+            <a:pPr>
+              <a:buNone/>
+            </a:pPr>
+            <a:r>
+              <a:rPr lang="de-DE" sz="1600" dirty="0" smtClean="0">
+                <a:solidFill>
+                  <a:schemeClr val="bg1">
+                    <a:lumMod val="65000"/>
+                  </a:schemeClr>
+                </a:solidFill>
+              </a:rPr>
+              <a:t>	Grundlage</a:t>
+            </a:r>
+          </a:p>
+          <a:p>
+            <a:r>
+              <a:rPr lang="de-DE" sz="2400" dirty="0" smtClean="0"/>
+              <a:t>CSS</a:t>
+            </a:r>
+          </a:p>
+          <a:p>
+            <a:pPr>
+              <a:buNone/>
+            </a:pPr>
+            <a:r>
+              <a:rPr lang="de-DE" sz="1600" dirty="0" smtClean="0">
+                <a:solidFill>
+                  <a:schemeClr val="bg1">
+                    <a:lumMod val="65000"/>
+                  </a:schemeClr>
+                </a:solidFill>
+              </a:rPr>
+              <a:t>	 </a:t>
+            </a:r>
+          </a:p>
+          <a:p>
+            <a:r>
+              <a:rPr lang="de-DE" sz="2400" dirty="0" smtClean="0"/>
+              <a:t>Java Script</a:t>
+            </a:r>
+          </a:p>
+          <a:p>
+            <a:pPr>
+              <a:buNone/>
+            </a:pPr>
+            <a:r>
+              <a:rPr lang="de-DE" sz="1600" dirty="0" smtClean="0"/>
+              <a:t>	</a:t>
+            </a:r>
+            <a:r>
+              <a:rPr lang="de-DE" sz="1600" dirty="0" smtClean="0">
+                <a:solidFill>
+                  <a:schemeClr val="bg1">
+                    <a:lumMod val="65000"/>
+                  </a:schemeClr>
+                </a:solidFill>
+              </a:rPr>
+              <a:t> </a:t>
+            </a:r>
+          </a:p>
+          <a:p>
+            <a:r>
+              <a:rPr lang="de-DE" sz="2400" dirty="0" smtClean="0"/>
+              <a:t>HTML Formular</a:t>
+            </a:r>
+          </a:p>
+          <a:p>
+            <a:pPr>
+              <a:buNone/>
+            </a:pPr>
+            <a:r>
+              <a:rPr lang="de-DE" sz="1600" dirty="0" smtClean="0">
+                <a:solidFill>
+                  <a:schemeClr val="bg1">
+                    <a:lumMod val="65000"/>
+                  </a:schemeClr>
+                </a:solidFill>
+              </a:rPr>
+              <a:t>	 </a:t>
+            </a:r>
+          </a:p>
+          <a:p>
+            <a:r>
+              <a:rPr lang="de-DE" sz="2400" dirty="0" smtClean="0"/>
+              <a:t>Client-Storage</a:t>
+            </a:r>
+          </a:p>
+          <a:p>
+            <a:pPr>
+              <a:buNone/>
+            </a:pPr>
+            <a:r>
+              <a:rPr lang="de-DE" sz="1600" dirty="0" smtClean="0"/>
+              <a:t>	</a:t>
+            </a:r>
+            <a:r>
+              <a:rPr lang="de-DE" sz="1600" dirty="0" smtClean="0">
+                <a:solidFill>
+                  <a:schemeClr val="bg1">
+                    <a:lumMod val="65000"/>
+                  </a:schemeClr>
+                </a:solidFill>
+              </a:rPr>
+              <a:t> </a:t>
+            </a:r>
+            <a:endParaRPr lang="de-DE" sz="1600" dirty="0" smtClean="0"/>
+          </a:p>
+          <a:p>
+            <a:r>
+              <a:rPr lang="de-DE" sz="2400" dirty="0" smtClean="0"/>
+              <a:t>HTML5</a:t>
+            </a:r>
+          </a:p>
+          <a:p>
+            <a:pPr>
+              <a:buNone/>
+            </a:pPr>
+            <a:r>
+              <a:rPr lang="de-DE" sz="1600" dirty="0" smtClean="0"/>
+              <a:t>	</a:t>
+            </a:r>
+            <a:r>
+              <a:rPr lang="de-DE" sz="1600" dirty="0" smtClean="0">
+                <a:solidFill>
+                  <a:schemeClr val="bg1">
+                    <a:lumMod val="65000"/>
+                  </a:schemeClr>
+                </a:solidFill>
+              </a:rPr>
+              <a:t> </a:t>
+            </a:r>
+            <a:endParaRPr lang="de-DE" sz="1600" dirty="0">
+              <a:solidFill>
+                <a:schemeClr val="bg1">
+                  <a:lumMod val="65000"/>
+                </a:schemeClr>
+              </a:solidFill>
+            </a:endParaRPr>
+          </a:p>
+        </p:txBody>
+      </p:sp>
+      <p:sp>
+        <p:nvSpPr>
+          <p:cNvPr id="3" name="Titel 2"/>
+          <p:cNvSpPr>
+            <a:spLocks noGrp="1"/>
+          </p:cNvSpPr>
+          <p:nvPr>
+            <p:ph type="title"/>
+          </p:nvPr>
+        </p:nvSpPr>
+        <p:spPr/>
+        <p:txBody>
+          <a:bodyPr/>
+          <a:lstStyle/>
+          <a:p>
+            <a:r>
+              <a:rPr lang="de-DE" dirty="0" smtClean="0"/>
+              <a:t>Zielvereinbarung I</a:t>
+            </a:r>
+            <a:endParaRPr lang="de-DE" dirty="0"/>
+          </a:p>
+        </p:txBody>
+      </p:sp>
+      <p:pic>
+        <p:nvPicPr>
+          <p:cNvPr id="1026" name="Picture 2" descr="D:\Lecker SVN\trunk\praesentationen\html.png"/>
+          <p:cNvPicPr>
+            <a:picLocks noChangeAspect="1" noChangeArrowheads="1"/>
+          </p:cNvPicPr>
+          <p:nvPr/>
+        </p:nvPicPr>
+        <p:blipFill>
+          <a:blip r:embed="rId2" cstate="print"/>
+          <a:srcRect/>
+          <a:stretch>
+            <a:fillRect/>
+          </a:stretch>
+        </p:blipFill>
+        <p:spPr bwMode="auto">
+          <a:xfrm>
+            <a:off x="3203848" y="1335223"/>
+            <a:ext cx="5904656" cy="4902089"/>
+          </a:xfrm>
+          <a:prstGeom prst="rect">
+            <a:avLst/>
+          </a:prstGeom>
+          <a:noFill/>
+        </p:spPr>
+      </p:pic>
+      <p:pic>
+        <p:nvPicPr>
+          <p:cNvPr id="1027" name="Picture 3" descr="C:\Users\Acanis\AppData\Local\Microsoft\Windows\Temporary Internet Files\Content.IE5\ZIAAWVRW\MC900441310[1].png"/>
+          <p:cNvPicPr>
+            <a:picLocks noChangeAspect="1" noChangeArrowheads="1"/>
+          </p:cNvPicPr>
+          <p:nvPr/>
+        </p:nvPicPr>
+        <p:blipFill>
+          <a:blip r:embed="rId3" cstate="print"/>
+          <a:srcRect/>
+          <a:stretch>
+            <a:fillRect/>
+          </a:stretch>
+        </p:blipFill>
+        <p:spPr bwMode="auto">
+          <a:xfrm>
+            <a:off x="1691680" y="1261864"/>
+            <a:ext cx="582960" cy="582960"/>
+          </a:xfrm>
+          <a:prstGeom prst="rect">
+            <a:avLst/>
+          </a:prstGeom>
+          <a:noFill/>
+        </p:spPr>
+      </p:pic>
+    </p:spTree>
+  </p:cSld>
+  <p:clrMapOvr>
+    <a:masterClrMapping/>
+  </p:clrMapOvr>
+  <p:transition>
+    <p:fade/>
+  </p:transition>
+  <p:timing>
+    <p:tnLst>
+      <p:par>
+        <p:cTn id="1" dur="indefinite" restart="never" nodeType="tmRoot"/>
+      </p:par>
+    </p:tnLst>
+  </p:timing>
+</p:sld>
+</file>
+
+<file path=ppt/slides/slide26.xml><?xml version="1.0" encoding="utf-8"?>
+<p:sld xmlns:a="http://schemas.openxmlformats.org/drawingml/2006/main" xmlns:r="http://schemas.openxmlformats.org/officeDocument/2006/relationships" xmlns:p="http://schemas.openxmlformats.org/presentationml/2006/main">
+  <p:cSld>
+    <p:spTree>
+      <p:nvGrpSpPr>
+        <p:cNvPr id="1" name=""/>
+        <p:cNvGrpSpPr/>
+        <p:nvPr/>
+      </p:nvGrpSpPr>
+      <p:grpSpPr>
+        <a:xfrm>
+          <a:off x="0" y="0"/>
+          <a:ext cx="0" cy="0"/>
+          <a:chOff x="0" y="0"/>
+          <a:chExt cx="0" cy="0"/>
+        </a:xfrm>
+      </p:grpSpPr>
+      <p:sp>
+        <p:nvSpPr>
+          <p:cNvPr id="2" name="Inhaltsplatzhalter 1"/>
+          <p:cNvSpPr>
+            <a:spLocks noGrp="1"/>
+          </p:cNvSpPr>
+          <p:nvPr>
+            <p:ph idx="1"/>
+          </p:nvPr>
+        </p:nvSpPr>
+        <p:spPr>
+          <a:xfrm>
+            <a:off x="457200" y="1340768"/>
+            <a:ext cx="8229600" cy="4536504"/>
+          </a:xfrm>
+        </p:spPr>
+        <p:txBody>
+          <a:bodyPr>
+            <a:normAutofit/>
+          </a:bodyPr>
+          <a:lstStyle/>
+          <a:p>
+            <a:r>
+              <a:rPr lang="de-DE" sz="2400" dirty="0" smtClean="0"/>
+              <a:t>HTML</a:t>
+            </a:r>
+          </a:p>
+          <a:p>
+            <a:pPr>
+              <a:buNone/>
+            </a:pPr>
+            <a:r>
+              <a:rPr lang="de-DE" sz="1600" dirty="0" smtClean="0">
+                <a:solidFill>
+                  <a:schemeClr val="bg1">
+                    <a:lumMod val="65000"/>
+                  </a:schemeClr>
+                </a:solidFill>
+              </a:rPr>
+              <a:t>	Grundlage</a:t>
+            </a:r>
+          </a:p>
+          <a:p>
+            <a:r>
+              <a:rPr lang="de-DE" sz="2400" dirty="0" smtClean="0">
+                <a:solidFill>
+                  <a:srgbClr val="FF0000"/>
+                </a:solidFill>
+              </a:rPr>
+              <a:t>CSS</a:t>
+            </a:r>
+          </a:p>
+          <a:p>
+            <a:pPr>
+              <a:buNone/>
+            </a:pPr>
+            <a:r>
+              <a:rPr lang="de-DE" sz="1600" dirty="0" smtClean="0">
+                <a:solidFill>
+                  <a:schemeClr val="bg1">
+                    <a:lumMod val="65000"/>
+                  </a:schemeClr>
+                </a:solidFill>
+              </a:rPr>
+              <a:t>	Konsistente Nutzung</a:t>
+            </a:r>
+          </a:p>
+          <a:p>
+            <a:r>
+              <a:rPr lang="de-DE" sz="2400" dirty="0" smtClean="0"/>
+              <a:t>Java Script</a:t>
+            </a:r>
+          </a:p>
+          <a:p>
+            <a:pPr>
+              <a:buNone/>
+            </a:pPr>
+            <a:r>
+              <a:rPr lang="de-DE" sz="1600" dirty="0" smtClean="0"/>
+              <a:t>	</a:t>
+            </a:r>
+            <a:r>
+              <a:rPr lang="de-DE" sz="1600" dirty="0" smtClean="0">
+                <a:solidFill>
+                  <a:schemeClr val="bg1">
+                    <a:lumMod val="65000"/>
+                  </a:schemeClr>
+                </a:solidFill>
+              </a:rPr>
+              <a:t> </a:t>
+            </a:r>
+          </a:p>
+          <a:p>
+            <a:r>
+              <a:rPr lang="de-DE" sz="2400" dirty="0" smtClean="0"/>
+              <a:t>HTML Formular</a:t>
+            </a:r>
+          </a:p>
+          <a:p>
+            <a:pPr>
+              <a:buNone/>
+            </a:pPr>
+            <a:r>
+              <a:rPr lang="de-DE" sz="1600" dirty="0" smtClean="0">
+                <a:solidFill>
+                  <a:schemeClr val="bg1">
+                    <a:lumMod val="65000"/>
+                  </a:schemeClr>
+                </a:solidFill>
+              </a:rPr>
+              <a:t>	 </a:t>
+            </a:r>
+          </a:p>
+          <a:p>
+            <a:r>
+              <a:rPr lang="de-DE" sz="2400" dirty="0" smtClean="0"/>
+              <a:t>Client-Storage</a:t>
+            </a:r>
+          </a:p>
+          <a:p>
+            <a:pPr>
+              <a:buNone/>
+            </a:pPr>
+            <a:r>
+              <a:rPr lang="de-DE" sz="1600" dirty="0" smtClean="0"/>
+              <a:t>	</a:t>
+            </a:r>
+            <a:r>
+              <a:rPr lang="de-DE" sz="1600" dirty="0" smtClean="0">
+                <a:solidFill>
+                  <a:schemeClr val="bg1">
+                    <a:lumMod val="65000"/>
+                  </a:schemeClr>
+                </a:solidFill>
+              </a:rPr>
+              <a:t> </a:t>
+            </a:r>
+            <a:endParaRPr lang="de-DE" sz="1600" dirty="0" smtClean="0"/>
+          </a:p>
+          <a:p>
+            <a:r>
+              <a:rPr lang="de-DE" sz="2400" dirty="0" smtClean="0"/>
+              <a:t>HTML5</a:t>
+            </a:r>
+          </a:p>
+          <a:p>
+            <a:pPr>
+              <a:buNone/>
+            </a:pPr>
+            <a:r>
+              <a:rPr lang="de-DE" sz="1600" dirty="0" smtClean="0"/>
+              <a:t>	</a:t>
+            </a:r>
+            <a:r>
+              <a:rPr lang="de-DE" sz="1600" dirty="0" smtClean="0">
+                <a:solidFill>
+                  <a:schemeClr val="bg1">
+                    <a:lumMod val="65000"/>
+                  </a:schemeClr>
+                </a:solidFill>
+              </a:rPr>
+              <a:t> </a:t>
+            </a:r>
+            <a:endParaRPr lang="de-DE" sz="1600" dirty="0">
+              <a:solidFill>
+                <a:schemeClr val="bg1">
+                  <a:lumMod val="65000"/>
+                </a:schemeClr>
+              </a:solidFill>
+            </a:endParaRPr>
+          </a:p>
+        </p:txBody>
+      </p:sp>
+      <p:sp>
+        <p:nvSpPr>
+          <p:cNvPr id="3" name="Titel 2"/>
+          <p:cNvSpPr>
+            <a:spLocks noGrp="1"/>
+          </p:cNvSpPr>
+          <p:nvPr>
+            <p:ph type="title"/>
+          </p:nvPr>
+        </p:nvSpPr>
+        <p:spPr/>
+        <p:txBody>
+          <a:bodyPr/>
+          <a:lstStyle/>
+          <a:p>
+            <a:r>
+              <a:rPr lang="de-DE" dirty="0" smtClean="0"/>
+              <a:t>Zielvereinbarung I</a:t>
+            </a:r>
+            <a:endParaRPr lang="de-DE" dirty="0"/>
+          </a:p>
+        </p:txBody>
+      </p:sp>
+      <p:pic>
+        <p:nvPicPr>
+          <p:cNvPr id="1027" name="Picture 3" descr="C:\Users\Acanis\AppData\Local\Microsoft\Windows\Temporary Internet Files\Content.IE5\ZIAAWVRW\MC900441310[1].png"/>
+          <p:cNvPicPr>
+            <a:picLocks noChangeAspect="1" noChangeArrowheads="1"/>
+          </p:cNvPicPr>
+          <p:nvPr/>
+        </p:nvPicPr>
+        <p:blipFill>
+          <a:blip r:embed="rId2" cstate="print"/>
+          <a:srcRect/>
+          <a:stretch>
+            <a:fillRect/>
+          </a:stretch>
+        </p:blipFill>
+        <p:spPr bwMode="auto">
+          <a:xfrm>
+            <a:off x="1691680" y="1261864"/>
+            <a:ext cx="582960" cy="582960"/>
+          </a:xfrm>
+          <a:prstGeom prst="rect">
+            <a:avLst/>
+          </a:prstGeom>
+          <a:noFill/>
+        </p:spPr>
+      </p:pic>
+      <p:pic>
+        <p:nvPicPr>
+          <p:cNvPr id="6" name="Picture 3" descr="C:\Users\Acanis\AppData\Local\Microsoft\Windows\Temporary Internet Files\Content.IE5\ZIAAWVRW\MC900441310[1].png"/>
+          <p:cNvPicPr>
+            <a:picLocks noChangeAspect="1" noChangeArrowheads="1"/>
+          </p:cNvPicPr>
+          <p:nvPr/>
+        </p:nvPicPr>
+        <p:blipFill>
+          <a:blip r:embed="rId2" cstate="print"/>
+          <a:srcRect/>
+          <a:stretch>
+            <a:fillRect/>
+          </a:stretch>
+        </p:blipFill>
+        <p:spPr bwMode="auto">
+          <a:xfrm>
+            <a:off x="1475656" y="1981944"/>
+            <a:ext cx="582960" cy="582960"/>
+          </a:xfrm>
+          <a:prstGeom prst="rect">
+            <a:avLst/>
+          </a:prstGeom>
+          <a:noFill/>
+        </p:spPr>
+      </p:pic>
+      <p:pic>
+        <p:nvPicPr>
+          <p:cNvPr id="2050" name="Picture 2" descr="D:\Lecker SVN\trunk\praesentationen\css.png"/>
+          <p:cNvPicPr>
+            <a:picLocks noChangeAspect="1" noChangeArrowheads="1"/>
+          </p:cNvPicPr>
+          <p:nvPr/>
+        </p:nvPicPr>
+        <p:blipFill>
+          <a:blip r:embed="rId3" cstate="print"/>
+          <a:srcRect/>
+          <a:stretch>
+            <a:fillRect/>
+          </a:stretch>
+        </p:blipFill>
+        <p:spPr bwMode="auto">
+          <a:xfrm>
+            <a:off x="4067944" y="1081712"/>
+            <a:ext cx="4192910" cy="5299616"/>
+          </a:xfrm>
+          <a:prstGeom prst="rect">
+            <a:avLst/>
+          </a:prstGeom>
+          <a:noFill/>
+        </p:spPr>
+      </p:pic>
+    </p:spTree>
+  </p:cSld>
+  <p:clrMapOvr>
+    <a:masterClrMapping/>
+  </p:clrMapOvr>
+  <p:transition>
+    <p:fade/>
+  </p:transition>
+  <p:timing>
+    <p:tnLst>
+      <p:par>
+        <p:cTn id="1" dur="indefinite" restart="never" nodeType="tmRoot"/>
+      </p:par>
+    </p:tnLst>
+  </p:timing>
+</p:sld>
+</file>
+
+<file path=ppt/slides/slide27.xml><?xml version="1.0" encoding="utf-8"?>
+<p:sld xmlns:a="http://schemas.openxmlformats.org/drawingml/2006/main" xmlns:r="http://schemas.openxmlformats.org/officeDocument/2006/relationships" xmlns:p="http://schemas.openxmlformats.org/presentationml/2006/main">
+  <p:cSld>
+    <p:spTree>
+      <p:nvGrpSpPr>
+        <p:cNvPr id="1" name=""/>
+        <p:cNvGrpSpPr/>
+        <p:nvPr/>
+      </p:nvGrpSpPr>
+      <p:grpSpPr>
+        <a:xfrm>
+          <a:off x="0" y="0"/>
+          <a:ext cx="0" cy="0"/>
+          <a:chOff x="0" y="0"/>
+          <a:chExt cx="0" cy="0"/>
+        </a:xfrm>
+      </p:grpSpPr>
+      <p:sp>
+        <p:nvSpPr>
+          <p:cNvPr id="2" name="Inhaltsplatzhalter 1"/>
+          <p:cNvSpPr>
+            <a:spLocks noGrp="1"/>
+          </p:cNvSpPr>
+          <p:nvPr>
+            <p:ph idx="1"/>
+          </p:nvPr>
+        </p:nvSpPr>
+        <p:spPr>
+          <a:xfrm>
+            <a:off x="457200" y="1340768"/>
+            <a:ext cx="8229600" cy="4536504"/>
+          </a:xfrm>
+        </p:spPr>
+        <p:txBody>
+          <a:bodyPr>
+            <a:normAutofit/>
+          </a:bodyPr>
+          <a:lstStyle/>
+          <a:p>
+            <a:r>
+              <a:rPr lang="de-DE" sz="2400" dirty="0" smtClean="0"/>
+              <a:t>HTML</a:t>
+            </a:r>
+          </a:p>
+          <a:p>
+            <a:pPr>
+              <a:buNone/>
+            </a:pPr>
+            <a:r>
+              <a:rPr lang="de-DE" sz="1600" dirty="0" smtClean="0">
+                <a:solidFill>
+                  <a:schemeClr val="bg1">
+                    <a:lumMod val="65000"/>
+                  </a:schemeClr>
+                </a:solidFill>
+              </a:rPr>
+              <a:t>	Grundlage</a:t>
+            </a:r>
+          </a:p>
+          <a:p>
+            <a:r>
+              <a:rPr lang="de-DE" sz="2400" dirty="0" smtClean="0"/>
+              <a:t>CSS</a:t>
+            </a:r>
+          </a:p>
+          <a:p>
+            <a:pPr>
+              <a:buNone/>
+            </a:pPr>
+            <a:r>
+              <a:rPr lang="de-DE" sz="1600" dirty="0" smtClean="0">
+                <a:solidFill>
+                  <a:schemeClr val="bg1">
+                    <a:lumMod val="65000"/>
+                  </a:schemeClr>
+                </a:solidFill>
+              </a:rPr>
+              <a:t>	Konsistente Nutzung</a:t>
+            </a:r>
+          </a:p>
+          <a:p>
+            <a:r>
+              <a:rPr lang="de-DE" sz="2400" dirty="0" smtClean="0">
+                <a:solidFill>
+                  <a:srgbClr val="FF0000"/>
+                </a:solidFill>
+              </a:rPr>
+              <a:t>Java Script</a:t>
+            </a:r>
+          </a:p>
+          <a:p>
+            <a:pPr>
+              <a:buNone/>
+            </a:pPr>
+            <a:r>
+              <a:rPr lang="de-DE" sz="1600" dirty="0" smtClean="0"/>
+              <a:t>	</a:t>
+            </a:r>
+            <a:r>
+              <a:rPr lang="de-DE" sz="1600" dirty="0" smtClean="0">
+                <a:solidFill>
+                  <a:schemeClr val="bg1">
+                    <a:lumMod val="65000"/>
+                  </a:schemeClr>
+                </a:solidFill>
+              </a:rPr>
+              <a:t>Asynchrone Änderungen</a:t>
+            </a:r>
+          </a:p>
+          <a:p>
+            <a:r>
+              <a:rPr lang="de-DE" sz="2400" dirty="0" smtClean="0"/>
+              <a:t>HTML Formular</a:t>
+            </a:r>
+          </a:p>
+          <a:p>
+            <a:pPr>
+              <a:buNone/>
+            </a:pPr>
+            <a:r>
+              <a:rPr lang="de-DE" sz="1600" dirty="0" smtClean="0">
+                <a:solidFill>
+                  <a:schemeClr val="bg1">
+                    <a:lumMod val="65000"/>
+                  </a:schemeClr>
+                </a:solidFill>
+              </a:rPr>
+              <a:t> </a:t>
+            </a:r>
+          </a:p>
+          <a:p>
+            <a:r>
+              <a:rPr lang="de-DE" sz="2400" dirty="0" smtClean="0"/>
+              <a:t>Client-Storage</a:t>
+            </a:r>
+          </a:p>
+          <a:p>
+            <a:pPr>
+              <a:buNone/>
+            </a:pPr>
+            <a:r>
+              <a:rPr lang="de-DE" sz="1600" dirty="0" smtClean="0"/>
+              <a:t> </a:t>
+            </a:r>
+          </a:p>
+          <a:p>
+            <a:r>
+              <a:rPr lang="de-DE" sz="2400" dirty="0" smtClean="0"/>
+              <a:t>HTML5</a:t>
+            </a:r>
+          </a:p>
+          <a:p>
+            <a:pPr>
+              <a:buNone/>
+            </a:pPr>
+            <a:r>
+              <a:rPr lang="de-DE" sz="1600" dirty="0" smtClean="0"/>
+              <a:t> </a:t>
+            </a:r>
+            <a:endParaRPr lang="de-DE" sz="1600" dirty="0">
+              <a:solidFill>
+                <a:schemeClr val="bg1">
+                  <a:lumMod val="65000"/>
+                </a:schemeClr>
+              </a:solidFill>
+            </a:endParaRPr>
+          </a:p>
+        </p:txBody>
+      </p:sp>
+      <p:sp>
+        <p:nvSpPr>
+          <p:cNvPr id="3" name="Titel 2"/>
+          <p:cNvSpPr>
+            <a:spLocks noGrp="1"/>
+          </p:cNvSpPr>
+          <p:nvPr>
+            <p:ph type="title"/>
+          </p:nvPr>
+        </p:nvSpPr>
+        <p:spPr/>
+        <p:txBody>
+          <a:bodyPr/>
+          <a:lstStyle/>
+          <a:p>
+            <a:r>
+              <a:rPr lang="de-DE" dirty="0" smtClean="0"/>
+              <a:t>Zielvereinbarung I</a:t>
+            </a:r>
+            <a:endParaRPr lang="de-DE" dirty="0"/>
+          </a:p>
+        </p:txBody>
+      </p:sp>
+      <p:pic>
+        <p:nvPicPr>
+          <p:cNvPr id="1027" name="Picture 3" descr="C:\Users\Acanis\AppData\Local\Microsoft\Windows\Temporary Internet Files\Content.IE5\ZIAAWVRW\MC900441310[1].png"/>
+          <p:cNvPicPr>
+            <a:picLocks noChangeAspect="1" noChangeArrowheads="1"/>
+          </p:cNvPicPr>
+          <p:nvPr/>
+        </p:nvPicPr>
+        <p:blipFill>
+          <a:blip r:embed="rId2" cstate="print"/>
+          <a:srcRect/>
+          <a:stretch>
+            <a:fillRect/>
+          </a:stretch>
+        </p:blipFill>
+        <p:spPr bwMode="auto">
+          <a:xfrm>
+            <a:off x="1691680" y="1268760"/>
+            <a:ext cx="582960" cy="582960"/>
+          </a:xfrm>
+          <a:prstGeom prst="rect">
+            <a:avLst/>
+          </a:prstGeom>
+          <a:noFill/>
+        </p:spPr>
+      </p:pic>
+      <p:pic>
+        <p:nvPicPr>
+          <p:cNvPr id="6" name="Picture 3" descr="C:\Users\Acanis\AppData\Local\Microsoft\Windows\Temporary Internet Files\Content.IE5\ZIAAWVRW\MC900441310[1].png"/>
+          <p:cNvPicPr>
+            <a:picLocks noChangeAspect="1" noChangeArrowheads="1"/>
+          </p:cNvPicPr>
+          <p:nvPr/>
+        </p:nvPicPr>
+        <p:blipFill>
+          <a:blip r:embed="rId2" cstate="print"/>
+          <a:srcRect/>
+          <a:stretch>
+            <a:fillRect/>
+          </a:stretch>
+        </p:blipFill>
+        <p:spPr bwMode="auto">
+          <a:xfrm>
+            <a:off x="1475656" y="1988840"/>
+            <a:ext cx="582960" cy="582960"/>
+          </a:xfrm>
+          <a:prstGeom prst="rect">
+            <a:avLst/>
+          </a:prstGeom>
+          <a:noFill/>
+        </p:spPr>
+      </p:pic>
+      <p:pic>
+        <p:nvPicPr>
+          <p:cNvPr id="7" name="Picture 3" descr="C:\Users\Acanis\AppData\Local\Microsoft\Windows\Temporary Internet Files\Content.IE5\ZIAAWVRW\MC900441310[1].png"/>
+          <p:cNvPicPr>
+            <a:picLocks noChangeAspect="1" noChangeArrowheads="1"/>
+          </p:cNvPicPr>
+          <p:nvPr/>
+        </p:nvPicPr>
+        <p:blipFill>
+          <a:blip r:embed="rId2" cstate="print"/>
+          <a:srcRect/>
+          <a:stretch>
+            <a:fillRect/>
+          </a:stretch>
+        </p:blipFill>
+        <p:spPr bwMode="auto">
+          <a:xfrm>
+            <a:off x="2339752" y="2708920"/>
+            <a:ext cx="582960" cy="582960"/>
+          </a:xfrm>
+          <a:prstGeom prst="rect">
+            <a:avLst/>
+          </a:prstGeom>
+          <a:noFill/>
+        </p:spPr>
+      </p:pic>
+      <p:pic>
+        <p:nvPicPr>
+          <p:cNvPr id="3074" name="Picture 2" descr="D:\Lecker SVN\trunk\praesentationen\JS.png"/>
+          <p:cNvPicPr>
+            <a:picLocks noChangeAspect="1" noChangeArrowheads="1"/>
+          </p:cNvPicPr>
+          <p:nvPr/>
+        </p:nvPicPr>
+        <p:blipFill>
+          <a:blip r:embed="rId3" cstate="print"/>
+          <a:srcRect/>
+          <a:stretch>
+            <a:fillRect/>
+          </a:stretch>
+        </p:blipFill>
+        <p:spPr bwMode="auto">
+          <a:xfrm>
+            <a:off x="3203848" y="1817913"/>
+            <a:ext cx="5832648" cy="3843335"/>
+          </a:xfrm>
+          <a:prstGeom prst="rect">
+            <a:avLst/>
+          </a:prstGeom>
+          <a:noFill/>
+        </p:spPr>
+      </p:pic>
+    </p:spTree>
+  </p:cSld>
+  <p:clrMapOvr>
+    <a:masterClrMapping/>
+  </p:clrMapOvr>
+  <p:transition>
+    <p:fade/>
+  </p:transition>
+  <p:timing>
+    <p:tnLst>
+      <p:par>
+        <p:cTn id="1" dur="indefinite" restart="never" nodeType="tmRoot"/>
+      </p:par>
+    </p:tnLst>
+  </p:timing>
+</p:sld>
+</file>
+
+<file path=ppt/slides/slide28.xml><?xml version="1.0" encoding="utf-8"?>
 <p:sld xmlns:a="http://schemas.openxmlformats.org/drawingml/2006/main" xmlns:r="http://schemas.openxmlformats.org/officeDocument/2006/relationships" xmlns:p="http://schemas.openxmlformats.org/presentationml/2006/main">
   <p:cSld>
     <p:spTree>
@@ -3832,7 +6120,7 @@
 </p:sld>
 </file>
 
-<file path=ppt/slides/slide11.xml><?xml version="1.0" encoding="utf-8"?>
+<file path=ppt/slides/slide29.xml><?xml version="1.0" encoding="utf-8"?>
 <p:sld xmlns:a="http://schemas.openxmlformats.org/drawingml/2006/main" xmlns:r="http://schemas.openxmlformats.org/officeDocument/2006/relationships" xmlns:p="http://schemas.openxmlformats.org/presentationml/2006/main">
   <p:cSld>
     <p:spTree>
@@ -4218,7 +6506,65 @@
 </p:sld>
 </file>
 
-<file path=ppt/slides/slide12.xml><?xml version="1.0" encoding="utf-8"?>
+<file path=ppt/slides/slide3.xml><?xml version="1.0" encoding="utf-8"?>
+<p:sld xmlns:a="http://schemas.openxmlformats.org/drawingml/2006/main" xmlns:r="http://schemas.openxmlformats.org/officeDocument/2006/relationships" xmlns:p="http://schemas.openxmlformats.org/presentationml/2006/main">
+  <p:cSld>
+    <p:spTree>
+      <p:nvGrpSpPr>
+        <p:cNvPr id="1" name=""/>
+        <p:cNvGrpSpPr/>
+        <p:nvPr/>
+      </p:nvGrpSpPr>
+      <p:grpSpPr>
+        <a:xfrm>
+          <a:off x="0" y="0"/>
+          <a:ext cx="0" cy="0"/>
+          <a:chOff x="0" y="0"/>
+          <a:chExt cx="0" cy="0"/>
+        </a:xfrm>
+      </p:grpSpPr>
+      <p:sp>
+        <p:nvSpPr>
+          <p:cNvPr id="4" name="Titel 3"/>
+          <p:cNvSpPr>
+            <a:spLocks noGrp="1"/>
+          </p:cNvSpPr>
+          <p:nvPr>
+            <p:ph type="title"/>
+          </p:nvPr>
+        </p:nvSpPr>
+        <p:spPr/>
+        <p:txBody>
+          <a:bodyPr/>
+          <a:lstStyle/>
+          <a:p>
+            <a:r>
+              <a:rPr lang="de-DE" dirty="0" smtClean="0"/>
+              <a:t>Thema und Motivation</a:t>
+            </a:r>
+            <a:endParaRPr lang="de-DE" dirty="0"/>
+          </a:p>
+        </p:txBody>
+      </p:sp>
+    </p:spTree>
+  </p:cSld>
+  <p:clrMapOvr>
+    <a:masterClrMapping/>
+  </p:clrMapOvr>
+  <p:transition>
+    <p:fade/>
+  </p:transition>
+  <p:timing>
+    <p:tnLst>
+      <p:par>
+        <p:cTn id="1" dur="indefinite" restart="never" nodeType="tmRoot"/>
+      </p:par>
+    </p:tnLst>
+  </p:timing>
+</p:sld>
+</file>
+
+<file path=ppt/slides/slide30.xml><?xml version="1.0" encoding="utf-8"?>
 <p:sld xmlns:a="http://schemas.openxmlformats.org/drawingml/2006/main" xmlns:r="http://schemas.openxmlformats.org/officeDocument/2006/relationships" xmlns:p="http://schemas.openxmlformats.org/presentationml/2006/main">
   <p:cSld>
     <p:spTree>
@@ -4641,7 +6987,7 @@
 </p:sld>
 </file>
 
-<file path=ppt/slides/slide13.xml><?xml version="1.0" encoding="utf-8"?>
+<file path=ppt/slides/slide31.xml><?xml version="1.0" encoding="utf-8"?>
 <p:sld xmlns:a="http://schemas.openxmlformats.org/drawingml/2006/main" xmlns:r="http://schemas.openxmlformats.org/officeDocument/2006/relationships" xmlns:p="http://schemas.openxmlformats.org/presentationml/2006/main">
   <p:cSld>
     <p:spTree>
@@ -5224,7 +7570,7 @@
 </p:sld>
 </file>
 
-<file path=ppt/slides/slide14.xml><?xml version="1.0" encoding="utf-8"?>
+<file path=ppt/slides/slide32.xml><?xml version="1.0" encoding="utf-8"?>
 <p:sld xmlns:a="http://schemas.openxmlformats.org/drawingml/2006/main" xmlns:r="http://schemas.openxmlformats.org/officeDocument/2006/relationships" xmlns:p="http://schemas.openxmlformats.org/presentationml/2006/main">
   <p:cSld>
     <p:spTree>
@@ -5914,7 +8260,7 @@
 </p:sld>
 </file>
 
-<file path=ppt/slides/slide15.xml><?xml version="1.0" encoding="utf-8"?>
+<file path=ppt/slides/slide33.xml><?xml version="1.0" encoding="utf-8"?>
 <p:sld xmlns:a="http://schemas.openxmlformats.org/drawingml/2006/main" xmlns:r="http://schemas.openxmlformats.org/officeDocument/2006/relationships" xmlns:p="http://schemas.openxmlformats.org/presentationml/2006/main">
   <p:cSld>
     <p:spTree>
@@ -6597,7 +8943,7 @@
 </p:sld>
 </file>
 
-<file path=ppt/slides/slide16.xml><?xml version="1.0" encoding="utf-8"?>
+<file path=ppt/slides/slide34.xml><?xml version="1.0" encoding="utf-8"?>
 <p:sld xmlns:a="http://schemas.openxmlformats.org/drawingml/2006/main" xmlns:r="http://schemas.openxmlformats.org/officeDocument/2006/relationships" xmlns:p="http://schemas.openxmlformats.org/presentationml/2006/main">
   <p:cSld>
     <p:spTree>
@@ -7345,7 +9691,7 @@
 </p:sld>
 </file>
 
-<file path=ppt/slides/slide17.xml><?xml version="1.0" encoding="utf-8"?>
+<file path=ppt/slides/slide35.xml><?xml version="1.0" encoding="utf-8"?>
 <p:sld xmlns:a="http://schemas.openxmlformats.org/drawingml/2006/main" xmlns:r="http://schemas.openxmlformats.org/officeDocument/2006/relationships" xmlns:p="http://schemas.openxmlformats.org/presentationml/2006/main">
   <p:cSld>
     <p:spTree>
@@ -8143,7 +10489,7 @@
 </p:sld>
 </file>
 
-<file path=ppt/slides/slide18.xml><?xml version="1.0" encoding="utf-8"?>
+<file path=ppt/slides/slide36.xml><?xml version="1.0" encoding="utf-8"?>
 <p:sld xmlns:a="http://schemas.openxmlformats.org/drawingml/2006/main" xmlns:r="http://schemas.openxmlformats.org/officeDocument/2006/relationships" xmlns:p="http://schemas.openxmlformats.org/presentationml/2006/main">
   <p:cSld>
     <p:spTree>
@@ -8201,7 +10547,7 @@
 </p:sld>
 </file>
 
-<file path=ppt/slides/slide19.xml><?xml version="1.0" encoding="utf-8"?>
+<file path=ppt/slides/slide37.xml><?xml version="1.0" encoding="utf-8"?>
 <p:sld xmlns:a="http://schemas.openxmlformats.org/drawingml/2006/main" xmlns:r="http://schemas.openxmlformats.org/officeDocument/2006/relationships" xmlns:p="http://schemas.openxmlformats.org/presentationml/2006/main">
   <p:cSld>
     <p:spTree>
@@ -8259,112 +10605,7 @@
 </p:sld>
 </file>
 
-<file path=ppt/slides/slide2.xml><?xml version="1.0" encoding="utf-8"?>
-<p:sld xmlns:a="http://schemas.openxmlformats.org/drawingml/2006/main" xmlns:r="http://schemas.openxmlformats.org/officeDocument/2006/relationships" xmlns:p="http://schemas.openxmlformats.org/presentationml/2006/main">
-  <p:cSld>
-    <p:spTree>
-      <p:nvGrpSpPr>
-        <p:cNvPr id="1" name=""/>
-        <p:cNvGrpSpPr/>
-        <p:nvPr/>
-      </p:nvGrpSpPr>
-      <p:grpSpPr>
-        <a:xfrm>
-          <a:off x="0" y="0"/>
-          <a:ext cx="0" cy="0"/>
-          <a:chOff x="0" y="0"/>
-          <a:chExt cx="0" cy="0"/>
-        </a:xfrm>
-      </p:grpSpPr>
-      <p:sp>
-        <p:nvSpPr>
-          <p:cNvPr id="2" name="Inhaltsplatzhalter 1"/>
-          <p:cNvSpPr>
-            <a:spLocks noGrp="1"/>
-          </p:cNvSpPr>
-          <p:nvPr>
-            <p:ph idx="1"/>
-          </p:nvPr>
-        </p:nvSpPr>
-        <p:spPr/>
-        <p:txBody>
-          <a:bodyPr/>
-          <a:lstStyle/>
-          <a:p>
-            <a:r>
-              <a:rPr lang="de-DE" dirty="0" smtClean="0"/>
-              <a:t>Thema &amp; Motivation</a:t>
-            </a:r>
-          </a:p>
-          <a:p>
-            <a:r>
-              <a:rPr lang="de-DE" dirty="0" smtClean="0"/>
-              <a:t>Entwurf und Implementierung</a:t>
-            </a:r>
-          </a:p>
-          <a:p>
-            <a:r>
-              <a:rPr lang="de-DE" dirty="0" smtClean="0"/>
-              <a:t>Zielvereinbarung</a:t>
-            </a:r>
-          </a:p>
-          <a:p>
-            <a:r>
-              <a:rPr lang="de-DE" dirty="0" smtClean="0"/>
-              <a:t>Live Demo</a:t>
-            </a:r>
-          </a:p>
-          <a:p>
-            <a:r>
-              <a:rPr lang="de-DE" dirty="0" smtClean="0"/>
-              <a:t>Ausblick</a:t>
-            </a:r>
-            <a:endParaRPr lang="de-DE" dirty="0"/>
-          </a:p>
-        </p:txBody>
-      </p:sp>
-      <p:sp>
-        <p:nvSpPr>
-          <p:cNvPr id="3" name="Titel 2"/>
-          <p:cNvSpPr>
-            <a:spLocks noGrp="1"/>
-          </p:cNvSpPr>
-          <p:nvPr>
-            <p:ph type="title"/>
-          </p:nvPr>
-        </p:nvSpPr>
-        <p:spPr/>
-        <p:txBody>
-          <a:bodyPr/>
-          <a:lstStyle/>
-          <a:p>
-            <a:r>
-              <a:rPr lang="de-DE" dirty="0" smtClean="0"/>
-              <a:t>Inhalt</a:t>
-            </a:r>
-            <a:endParaRPr lang="de-DE" dirty="0"/>
-          </a:p>
-        </p:txBody>
-      </p:sp>
-    </p:spTree>
-  </p:cSld>
-  <p:clrMapOvr>
-    <a:masterClrMapping/>
-  </p:clrMapOvr>
-  <p:transition>
-    <p:fade/>
-  </p:transition>
-  <p:timing>
-    <p:tnLst>
-      <p:par>
-        <p:cTn id="1" dur="indefinite" restart="never" nodeType="tmRoot"/>
-      </p:par>
-    </p:tnLst>
-  </p:timing>
-</p:sld>
-</file>
-
-<file path=ppt/slides/slide20.xml><?xml version="1.0" encoding="utf-8"?>
+<file path=ppt/slides/slide38.xml><?xml version="1.0" encoding="utf-8"?>
 <p:sld xmlns:a="http://schemas.openxmlformats.org/drawingml/2006/main" xmlns:r="http://schemas.openxmlformats.org/officeDocument/2006/relationships" xmlns:p="http://schemas.openxmlformats.org/presentationml/2006/main">
   <p:cSld>
     <p:spTree>
@@ -8393,7 +10634,9 @@
         </p:nvSpPr>
         <p:spPr/>
         <p:txBody>
-          <a:bodyPr/>
+          <a:bodyPr>
+            <a:normAutofit lnSpcReduction="10000"/>
+          </a:bodyPr>
           <a:lstStyle/>
           <a:p>
             <a:r>
@@ -8446,8 +10689,14 @@
           </a:p>
           <a:p>
             <a:r>
-              <a:rPr lang="de-DE" smtClean="0"/>
+              <a:rPr lang="de-DE" dirty="0" smtClean="0"/>
               <a:t>Registrierungsfunktion</a:t>
+            </a:r>
+          </a:p>
+          <a:p>
+            <a:r>
+              <a:rPr lang="de-DE" dirty="0" smtClean="0"/>
+              <a:t>Bildupload</a:t>
             </a:r>
             <a:endParaRPr lang="de-DE" dirty="0"/>
           </a:p>
@@ -8494,7 +10743,7 @@
 </p:sld>
 </file>
 
-<file path=ppt/slides/slide21.xml><?xml version="1.0" encoding="utf-8"?>
+<file path=ppt/slides/slide39.xml><?xml version="1.0" encoding="utf-8"?>
 <p:sld xmlns:a="http://schemas.openxmlformats.org/drawingml/2006/main" xmlns:r="http://schemas.openxmlformats.org/officeDocument/2006/relationships" xmlns:p="http://schemas.openxmlformats.org/presentationml/2006/main">
   <p:cSld>
     <p:spTree>
@@ -8540,21 +10789,8 @@
                 <a:ea typeface="Tahoma" pitchFamily="34" charset="0"/>
                 <a:cs typeface="Tahoma" pitchFamily="34" charset="0"/>
               </a:rPr>
-              <a:t>Abschlusspräsentation </a:t>
-            </a:r>
-            <a:r>
-              <a:rPr lang="de-DE" sz="2400" b="1" cap="small" dirty="0" smtClean="0">
-                <a:latin typeface="Tahoma" pitchFamily="34" charset="0"/>
-                <a:ea typeface="Tahoma" pitchFamily="34" charset="0"/>
-                <a:cs typeface="Tahoma" pitchFamily="34" charset="0"/>
-              </a:rPr>
-              <a:t>im Modul Internet-Technologien </a:t>
-            </a:r>
-            <a:endParaRPr lang="de-DE" sz="2400" b="1" cap="small" dirty="0" smtClean="0">
-              <a:latin typeface="Tahoma" pitchFamily="34" charset="0"/>
-              <a:ea typeface="Tahoma" pitchFamily="34" charset="0"/>
-              <a:cs typeface="Tahoma" pitchFamily="34" charset="0"/>
-            </a:endParaRPr>
+              <a:t>Abschlusspräsentation im Modul Internet-Technologien </a:t>
+            </a:r>
           </a:p>
           <a:p>
             <a:pPr algn="ctr"/>
@@ -8663,64 +10899,6 @@
   <p:clrMapOvr>
     <a:masterClrMapping/>
   </p:clrMapOvr>
-  <p:timing>
-    <p:tnLst>
-      <p:par>
-        <p:cTn id="1" dur="indefinite" restart="never" nodeType="tmRoot"/>
-      </p:par>
-    </p:tnLst>
-  </p:timing>
-</p:sld>
-</file>
-
-<file path=ppt/slides/slide3.xml><?xml version="1.0" encoding="utf-8"?>
-<p:sld xmlns:a="http://schemas.openxmlformats.org/drawingml/2006/main" xmlns:r="http://schemas.openxmlformats.org/officeDocument/2006/relationships" xmlns:p="http://schemas.openxmlformats.org/presentationml/2006/main">
-  <p:cSld>
-    <p:spTree>
-      <p:nvGrpSpPr>
-        <p:cNvPr id="1" name=""/>
-        <p:cNvGrpSpPr/>
-        <p:nvPr/>
-      </p:nvGrpSpPr>
-      <p:grpSpPr>
-        <a:xfrm>
-          <a:off x="0" y="0"/>
-          <a:ext cx="0" cy="0"/>
-          <a:chOff x="0" y="0"/>
-          <a:chExt cx="0" cy="0"/>
-        </a:xfrm>
-      </p:grpSpPr>
-      <p:sp>
-        <p:nvSpPr>
-          <p:cNvPr id="4" name="Titel 3"/>
-          <p:cNvSpPr>
-            <a:spLocks noGrp="1"/>
-          </p:cNvSpPr>
-          <p:nvPr>
-            <p:ph type="title"/>
-          </p:nvPr>
-        </p:nvSpPr>
-        <p:spPr/>
-        <p:txBody>
-          <a:bodyPr/>
-          <a:lstStyle/>
-          <a:p>
-            <a:r>
-              <a:rPr lang="de-DE" dirty="0" smtClean="0"/>
-              <a:t>Thema und Motivation</a:t>
-            </a:r>
-            <a:endParaRPr lang="de-DE" dirty="0"/>
-          </a:p>
-        </p:txBody>
-      </p:sp>
-    </p:spTree>
-  </p:cSld>
-  <p:clrMapOvr>
-    <a:masterClrMapping/>
-  </p:clrMapOvr>
-  <p:transition>
-    <p:fade/>
-  </p:transition>
   <p:timing>
     <p:tnLst>
       <p:par>
@@ -8943,7 +11121,7 @@
       </p:grpSpPr>
       <p:sp>
         <p:nvSpPr>
-          <p:cNvPr id="4" name="Titel 3"/>
+          <p:cNvPr id="3" name="Titel 2"/>
           <p:cNvSpPr>
             <a:spLocks noGrp="1"/>
           </p:cNvSpPr>
@@ -8958,12 +11136,38 @@
           <a:p>
             <a:r>
               <a:rPr lang="de-DE" dirty="0" smtClean="0"/>
-              <a:t>Zielvereinbarung</a:t>
+              <a:t>Entwurf und Implementierung I</a:t>
             </a:r>
             <a:endParaRPr lang="de-DE" dirty="0"/>
           </a:p>
         </p:txBody>
       </p:sp>
+      <p:pic>
+        <p:nvPicPr>
+          <p:cNvPr id="1026" name="Picture 2" descr="D:\Lecker SVN\trunk\mockups\Lecker_Datenbank.png"/>
+          <p:cNvPicPr>
+            <a:picLocks noChangeAspect="1" noChangeArrowheads="1"/>
+          </p:cNvPicPr>
+          <p:nvPr/>
+        </p:nvPicPr>
+        <p:blipFill>
+          <a:blip r:embed="rId2" cstate="print"/>
+          <a:srcRect/>
+          <a:stretch>
+            <a:fillRect/>
+          </a:stretch>
+        </p:blipFill>
+        <p:spPr bwMode="auto">
+          <a:xfrm>
+            <a:off x="1151620" y="1052737"/>
+            <a:ext cx="6840760" cy="4819092"/>
+          </a:xfrm>
+          <a:prstGeom prst="rect">
+            <a:avLst/>
+          </a:prstGeom>
+          <a:noFill/>
+        </p:spPr>
+      </p:pic>
     </p:spTree>
   </p:cSld>
   <p:clrMapOvr>
@@ -9001,179 +11205,6 @@
       </p:grpSpPr>
       <p:sp>
         <p:nvSpPr>
-          <p:cNvPr id="2" name="Inhaltsplatzhalter 1"/>
-          <p:cNvSpPr>
-            <a:spLocks noGrp="1"/>
-          </p:cNvSpPr>
-          <p:nvPr>
-            <p:ph idx="1"/>
-          </p:nvPr>
-        </p:nvSpPr>
-        <p:spPr>
-          <a:xfrm>
-            <a:off x="457200" y="1340768"/>
-            <a:ext cx="8229600" cy="4536504"/>
-          </a:xfrm>
-        </p:spPr>
-        <p:txBody>
-          <a:bodyPr>
-            <a:normAutofit/>
-          </a:bodyPr>
-          <a:lstStyle/>
-          <a:p>
-            <a:r>
-              <a:rPr lang="de-DE" sz="2400" dirty="0" smtClean="0">
-                <a:solidFill>
-                  <a:srgbClr val="FF0000"/>
-                </a:solidFill>
-              </a:rPr>
-              <a:t>HTML</a:t>
-            </a:r>
-          </a:p>
-          <a:p>
-            <a:pPr>
-              <a:buNone/>
-            </a:pPr>
-            <a:r>
-              <a:rPr lang="de-DE" sz="1600" dirty="0" smtClean="0">
-                <a:solidFill>
-                  <a:schemeClr val="bg1">
-                    <a:lumMod val="65000"/>
-                  </a:schemeClr>
-                </a:solidFill>
-              </a:rPr>
-              <a:t>	Grundlage</a:t>
-            </a:r>
-          </a:p>
-          <a:p>
-            <a:r>
-              <a:rPr lang="de-DE" sz="2400" dirty="0" smtClean="0"/>
-              <a:t>CSS</a:t>
-            </a:r>
-          </a:p>
-          <a:p>
-            <a:pPr>
-              <a:buNone/>
-            </a:pPr>
-            <a:r>
-              <a:rPr lang="de-DE" sz="1600" dirty="0" smtClean="0">
-                <a:solidFill>
-                  <a:schemeClr val="bg1">
-                    <a:lumMod val="65000"/>
-                  </a:schemeClr>
-                </a:solidFill>
-              </a:rPr>
-              <a:t>	 </a:t>
-            </a:r>
-          </a:p>
-          <a:p>
-            <a:r>
-              <a:rPr lang="de-DE" sz="2400" dirty="0" smtClean="0"/>
-              <a:t>Java Script</a:t>
-            </a:r>
-          </a:p>
-          <a:p>
-            <a:pPr>
-              <a:buNone/>
-            </a:pPr>
-            <a:r>
-              <a:rPr lang="de-DE" sz="1600" dirty="0" smtClean="0"/>
-              <a:t>	</a:t>
-            </a:r>
-            <a:r>
-              <a:rPr lang="de-DE" sz="1600" dirty="0" smtClean="0">
-                <a:solidFill>
-                  <a:schemeClr val="bg1">
-                    <a:lumMod val="65000"/>
-                  </a:schemeClr>
-                </a:solidFill>
-              </a:rPr>
-              <a:t> </a:t>
-            </a:r>
-          </a:p>
-          <a:p>
-            <a:r>
-              <a:rPr lang="de-DE" sz="2400" dirty="0" smtClean="0"/>
-              <a:t>HTML Formular</a:t>
-            </a:r>
-          </a:p>
-          <a:p>
-            <a:pPr>
-              <a:buNone/>
-            </a:pPr>
-            <a:r>
-              <a:rPr lang="de-DE" sz="1600" dirty="0" smtClean="0">
-                <a:solidFill>
-                  <a:schemeClr val="bg1">
-                    <a:lumMod val="65000"/>
-                  </a:schemeClr>
-                </a:solidFill>
-              </a:rPr>
-              <a:t>	 </a:t>
-            </a:r>
-          </a:p>
-          <a:p>
-            <a:r>
-              <a:rPr lang="de-DE" sz="2400" dirty="0" smtClean="0"/>
-              <a:t>Client-Storage</a:t>
-            </a:r>
-          </a:p>
-          <a:p>
-            <a:pPr>
-              <a:buNone/>
-            </a:pPr>
-            <a:r>
-              <a:rPr lang="de-DE" sz="1600" dirty="0" smtClean="0"/>
-              <a:t>	</a:t>
-            </a:r>
-            <a:r>
-              <a:rPr lang="de-DE" sz="1600" dirty="0" smtClean="0">
-                <a:solidFill>
-                  <a:schemeClr val="bg1">
-                    <a:lumMod val="65000"/>
-                  </a:schemeClr>
-                </a:solidFill>
-              </a:rPr>
-              <a:t> </a:t>
-            </a:r>
-            <a:endParaRPr lang="de-DE" sz="1600" dirty="0" smtClean="0"/>
-          </a:p>
-          <a:p>
-            <a:r>
-              <a:rPr lang="de-DE" sz="2400" dirty="0" smtClean="0"/>
-              <a:t>HTML5</a:t>
-            </a:r>
-          </a:p>
-          <a:p>
-            <a:pPr>
-              <a:buNone/>
-            </a:pPr>
-            <a:r>
-              <a:rPr lang="de-DE" sz="1600" dirty="0" smtClean="0"/>
-              <a:t>	</a:t>
-            </a:r>
-            <a:r>
-              <a:rPr lang="de-DE" sz="1600" dirty="0" smtClean="0">
-                <a:solidFill>
-                  <a:schemeClr val="bg1">
-                    <a:lumMod val="65000"/>
-                  </a:schemeClr>
-                </a:solidFill>
-              </a:rPr>
-              <a:t> </a:t>
-            </a:r>
-            <a:endParaRPr lang="de-DE" sz="1600" dirty="0">
-              <a:solidFill>
-                <a:schemeClr val="bg1">
-                  <a:lumMod val="65000"/>
-                </a:schemeClr>
-              </a:solidFill>
-            </a:endParaRPr>
-          </a:p>
-        </p:txBody>
-      </p:sp>
-      <p:sp>
-        <p:nvSpPr>
           <p:cNvPr id="3" name="Titel 2"/>
           <p:cNvSpPr>
             <a:spLocks noGrp="1"/>
@@ -9189,7 +11220,11 @@
           <a:p>
             <a:r>
               <a:rPr lang="de-DE" dirty="0" smtClean="0"/>
-              <a:t>Zielvereinbarung I</a:t>
+              <a:t>Entwurf und Implementierung </a:t>
+            </a:r>
+            <a:r>
+              <a:rPr lang="de-DE" dirty="0" smtClean="0"/>
+              <a:t>II</a:t>
             </a:r>
             <a:endParaRPr lang="de-DE" dirty="0"/>
           </a:p>
@@ -9197,7 +11232,7 @@
       </p:sp>
       <p:pic>
         <p:nvPicPr>
-          <p:cNvPr id="1026" name="Picture 2" descr="D:\Lecker SVN\trunk\praesentationen\html.png"/>
+          <p:cNvPr id="2050" name="Picture 2" descr="D:\Lecker SVN\trunk\mockups\web\MainFirst.png"/>
           <p:cNvPicPr>
             <a:picLocks noChangeAspect="1" noChangeArrowheads="1"/>
           </p:cNvPicPr>
@@ -9212,34 +11247,8 @@
         </p:blipFill>
         <p:spPr bwMode="auto">
           <a:xfrm>
-            <a:off x="3203848" y="1335223"/>
-            <a:ext cx="5904656" cy="4902089"/>
-          </a:xfrm>
-          <a:prstGeom prst="rect">
-            <a:avLst/>
-          </a:prstGeom>
-          <a:noFill/>
-        </p:spPr>
-      </p:pic>
-      <p:pic>
-        <p:nvPicPr>
-          <p:cNvPr id="1027" name="Picture 3" descr="C:\Users\Acanis\AppData\Local\Microsoft\Windows\Temporary Internet Files\Content.IE5\ZIAAWVRW\MC900441310[1].png"/>
-          <p:cNvPicPr>
-            <a:picLocks noChangeAspect="1" noChangeArrowheads="1"/>
-          </p:cNvPicPr>
-          <p:nvPr/>
-        </p:nvPicPr>
-        <p:blipFill>
-          <a:blip r:embed="rId3" cstate="print"/>
-          <a:srcRect/>
-          <a:stretch>
-            <a:fillRect/>
-          </a:stretch>
-        </p:blipFill>
-        <p:spPr bwMode="auto">
-          <a:xfrm>
-            <a:off x="1691680" y="1261864"/>
-            <a:ext cx="582960" cy="582960"/>
+            <a:off x="1187624" y="1196752"/>
+            <a:ext cx="6768752" cy="4655854"/>
           </a:xfrm>
           <a:prstGeom prst="rect">
             <a:avLst/>
@@ -9284,179 +11293,6 @@
       </p:grpSpPr>
       <p:sp>
         <p:nvSpPr>
-          <p:cNvPr id="2" name="Inhaltsplatzhalter 1"/>
-          <p:cNvSpPr>
-            <a:spLocks noGrp="1"/>
-          </p:cNvSpPr>
-          <p:nvPr>
-            <p:ph idx="1"/>
-          </p:nvPr>
-        </p:nvSpPr>
-        <p:spPr>
-          <a:xfrm>
-            <a:off x="457200" y="1340768"/>
-            <a:ext cx="8229600" cy="4536504"/>
-          </a:xfrm>
-        </p:spPr>
-        <p:txBody>
-          <a:bodyPr>
-            <a:normAutofit/>
-          </a:bodyPr>
-          <a:lstStyle/>
-          <a:p>
-            <a:r>
-              <a:rPr lang="de-DE" sz="2400" dirty="0" smtClean="0"/>
-              <a:t>HTML</a:t>
-            </a:r>
-          </a:p>
-          <a:p>
-            <a:pPr>
-              <a:buNone/>
-            </a:pPr>
-            <a:r>
-              <a:rPr lang="de-DE" sz="1600" dirty="0" smtClean="0">
-                <a:solidFill>
-                  <a:schemeClr val="bg1">
-                    <a:lumMod val="65000"/>
-                  </a:schemeClr>
-                </a:solidFill>
-              </a:rPr>
-              <a:t>	Grundlage</a:t>
-            </a:r>
-          </a:p>
-          <a:p>
-            <a:r>
-              <a:rPr lang="de-DE" sz="2400" dirty="0" smtClean="0">
-                <a:solidFill>
-                  <a:srgbClr val="FF0000"/>
-                </a:solidFill>
-              </a:rPr>
-              <a:t>CSS</a:t>
-            </a:r>
-          </a:p>
-          <a:p>
-            <a:pPr>
-              <a:buNone/>
-            </a:pPr>
-            <a:r>
-              <a:rPr lang="de-DE" sz="1600" dirty="0" smtClean="0">
-                <a:solidFill>
-                  <a:schemeClr val="bg1">
-                    <a:lumMod val="65000"/>
-                  </a:schemeClr>
-                </a:solidFill>
-              </a:rPr>
-              <a:t>	Konsistente Nutzung</a:t>
-            </a:r>
-          </a:p>
-          <a:p>
-            <a:r>
-              <a:rPr lang="de-DE" sz="2400" dirty="0" smtClean="0"/>
-              <a:t>Java Script</a:t>
-            </a:r>
-          </a:p>
-          <a:p>
-            <a:pPr>
-              <a:buNone/>
-            </a:pPr>
-            <a:r>
-              <a:rPr lang="de-DE" sz="1600" dirty="0" smtClean="0"/>
-              <a:t>	</a:t>
-            </a:r>
-            <a:r>
-              <a:rPr lang="de-DE" sz="1600" dirty="0" smtClean="0">
-                <a:solidFill>
-                  <a:schemeClr val="bg1">
-                    <a:lumMod val="65000"/>
-                  </a:schemeClr>
-                </a:solidFill>
-              </a:rPr>
-              <a:t> </a:t>
-            </a:r>
-          </a:p>
-          <a:p>
-            <a:r>
-              <a:rPr lang="de-DE" sz="2400" dirty="0" smtClean="0"/>
-              <a:t>HTML Formular</a:t>
-            </a:r>
-          </a:p>
-          <a:p>
-            <a:pPr>
-              <a:buNone/>
-            </a:pPr>
-            <a:r>
-              <a:rPr lang="de-DE" sz="1600" dirty="0" smtClean="0">
-                <a:solidFill>
-                  <a:schemeClr val="bg1">
-                    <a:lumMod val="65000"/>
-                  </a:schemeClr>
-                </a:solidFill>
-              </a:rPr>
-              <a:t>	 </a:t>
-            </a:r>
-          </a:p>
-          <a:p>
-            <a:r>
-              <a:rPr lang="de-DE" sz="2400" dirty="0" smtClean="0"/>
-              <a:t>Client-Storage</a:t>
-            </a:r>
-          </a:p>
-          <a:p>
-            <a:pPr>
-              <a:buNone/>
-            </a:pPr>
-            <a:r>
-              <a:rPr lang="de-DE" sz="1600" dirty="0" smtClean="0"/>
-              <a:t>	</a:t>
-            </a:r>
-            <a:r>
-              <a:rPr lang="de-DE" sz="1600" dirty="0" smtClean="0">
-                <a:solidFill>
-                  <a:schemeClr val="bg1">
-                    <a:lumMod val="65000"/>
-                  </a:schemeClr>
-                </a:solidFill>
-              </a:rPr>
-              <a:t> </a:t>
-            </a:r>
-            <a:endParaRPr lang="de-DE" sz="1600" dirty="0" smtClean="0"/>
-          </a:p>
-          <a:p>
-            <a:r>
-              <a:rPr lang="de-DE" sz="2400" dirty="0" smtClean="0"/>
-              <a:t>HTML5</a:t>
-            </a:r>
-          </a:p>
-          <a:p>
-            <a:pPr>
-              <a:buNone/>
-            </a:pPr>
-            <a:r>
-              <a:rPr lang="de-DE" sz="1600" dirty="0" smtClean="0"/>
-              <a:t>	</a:t>
-            </a:r>
-            <a:r>
-              <a:rPr lang="de-DE" sz="1600" dirty="0" smtClean="0">
-                <a:solidFill>
-                  <a:schemeClr val="bg1">
-                    <a:lumMod val="65000"/>
-                  </a:schemeClr>
-                </a:solidFill>
-              </a:rPr>
-              <a:t> </a:t>
-            </a:r>
-            <a:endParaRPr lang="de-DE" sz="1600" dirty="0">
-              <a:solidFill>
-                <a:schemeClr val="bg1">
-                  <a:lumMod val="65000"/>
-                </a:schemeClr>
-              </a:solidFill>
-            </a:endParaRPr>
-          </a:p>
-        </p:txBody>
-      </p:sp>
-      <p:sp>
-        <p:nvSpPr>
           <p:cNvPr id="3" name="Titel 2"/>
           <p:cNvSpPr>
             <a:spLocks noGrp="1"/>
@@ -9472,7 +11308,11 @@
           <a:p>
             <a:r>
               <a:rPr lang="de-DE" dirty="0" smtClean="0"/>
-              <a:t>Zielvereinbarung I</a:t>
+              <a:t>Entwurf und Implementierung </a:t>
+            </a:r>
+            <a:r>
+              <a:rPr lang="de-DE" dirty="0" smtClean="0"/>
+              <a:t>II</a:t>
             </a:r>
             <a:endParaRPr lang="de-DE" dirty="0"/>
           </a:p>
@@ -9480,7 +11320,7 @@
       </p:sp>
       <p:pic>
         <p:nvPicPr>
-          <p:cNvPr id="1027" name="Picture 3" descr="C:\Users\Acanis\AppData\Local\Microsoft\Windows\Temporary Internet Files\Content.IE5\ZIAAWVRW\MC900441310[1].png"/>
+          <p:cNvPr id="2050" name="Picture 2" descr="D:\Lecker SVN\trunk\mockups\web\MainFirst.png"/>
           <p:cNvPicPr>
             <a:picLocks noChangeAspect="1" noChangeArrowheads="1"/>
           </p:cNvPicPr>
@@ -9488,67 +11328,15 @@
         </p:nvPicPr>
         <p:blipFill>
           <a:blip r:embed="rId2" cstate="print"/>
-          <a:srcRect/>
+          <a:srcRect t="1066"/>
           <a:stretch>
             <a:fillRect/>
           </a:stretch>
         </p:blipFill>
         <p:spPr bwMode="auto">
           <a:xfrm>
-            <a:off x="1691680" y="1261864"/>
-            <a:ext cx="582960" cy="582960"/>
-          </a:xfrm>
-          <a:prstGeom prst="rect">
-            <a:avLst/>
-          </a:prstGeom>
-          <a:noFill/>
-        </p:spPr>
-      </p:pic>
-      <p:pic>
-        <p:nvPicPr>
-          <p:cNvPr id="6" name="Picture 3" descr="C:\Users\Acanis\AppData\Local\Microsoft\Windows\Temporary Internet Files\Content.IE5\ZIAAWVRW\MC900441310[1].png"/>
-          <p:cNvPicPr>
-            <a:picLocks noChangeAspect="1" noChangeArrowheads="1"/>
-          </p:cNvPicPr>
-          <p:nvPr/>
-        </p:nvPicPr>
-        <p:blipFill>
-          <a:blip r:embed="rId2" cstate="print"/>
-          <a:srcRect/>
-          <a:stretch>
-            <a:fillRect/>
-          </a:stretch>
-        </p:blipFill>
-        <p:spPr bwMode="auto">
-          <a:xfrm>
-            <a:off x="1475656" y="1981944"/>
-            <a:ext cx="582960" cy="582960"/>
-          </a:xfrm>
-          <a:prstGeom prst="rect">
-            <a:avLst/>
-          </a:prstGeom>
-          <a:noFill/>
-        </p:spPr>
-      </p:pic>
-      <p:pic>
-        <p:nvPicPr>
-          <p:cNvPr id="2050" name="Picture 2" descr="D:\Lecker SVN\trunk\praesentationen\css.png"/>
-          <p:cNvPicPr>
-            <a:picLocks noChangeAspect="1" noChangeArrowheads="1"/>
-          </p:cNvPicPr>
-          <p:nvPr/>
-        </p:nvPicPr>
-        <p:blipFill>
-          <a:blip r:embed="rId3" cstate="print"/>
-          <a:srcRect/>
-          <a:stretch>
-            <a:fillRect/>
-          </a:stretch>
-        </p:blipFill>
-        <p:spPr bwMode="auto">
-          <a:xfrm>
-            <a:off x="4067944" y="1081712"/>
-            <a:ext cx="4192910" cy="5299616"/>
+            <a:off x="827584" y="1310670"/>
+            <a:ext cx="7776864" cy="4236660"/>
           </a:xfrm>
           <a:prstGeom prst="rect">
             <a:avLst/>
@@ -9593,158 +11381,6 @@
       </p:grpSpPr>
       <p:sp>
         <p:nvSpPr>
-          <p:cNvPr id="2" name="Inhaltsplatzhalter 1"/>
-          <p:cNvSpPr>
-            <a:spLocks noGrp="1"/>
-          </p:cNvSpPr>
-          <p:nvPr>
-            <p:ph idx="1"/>
-          </p:nvPr>
-        </p:nvSpPr>
-        <p:spPr>
-          <a:xfrm>
-            <a:off x="457200" y="1340768"/>
-            <a:ext cx="8229600" cy="4536504"/>
-          </a:xfrm>
-        </p:spPr>
-        <p:txBody>
-          <a:bodyPr>
-            <a:normAutofit/>
-          </a:bodyPr>
-          <a:lstStyle/>
-          <a:p>
-            <a:r>
-              <a:rPr lang="de-DE" sz="2400" dirty="0" smtClean="0"/>
-              <a:t>HTML</a:t>
-            </a:r>
-          </a:p>
-          <a:p>
-            <a:pPr>
-              <a:buNone/>
-            </a:pPr>
-            <a:r>
-              <a:rPr lang="de-DE" sz="1600" dirty="0" smtClean="0">
-                <a:solidFill>
-                  <a:schemeClr val="bg1">
-                    <a:lumMod val="65000"/>
-                  </a:schemeClr>
-                </a:solidFill>
-              </a:rPr>
-              <a:t>	Grundlage</a:t>
-            </a:r>
-          </a:p>
-          <a:p>
-            <a:r>
-              <a:rPr lang="de-DE" sz="2400" dirty="0" smtClean="0"/>
-              <a:t>CSS</a:t>
-            </a:r>
-          </a:p>
-          <a:p>
-            <a:pPr>
-              <a:buNone/>
-            </a:pPr>
-            <a:r>
-              <a:rPr lang="de-DE" sz="1600" dirty="0" smtClean="0">
-                <a:solidFill>
-                  <a:schemeClr val="bg1">
-                    <a:lumMod val="65000"/>
-                  </a:schemeClr>
-                </a:solidFill>
-              </a:rPr>
-              <a:t>	Konsistente Nutzung</a:t>
-            </a:r>
-          </a:p>
-          <a:p>
-            <a:r>
-              <a:rPr lang="de-DE" sz="2400" dirty="0" smtClean="0">
-                <a:solidFill>
-                  <a:srgbClr val="FF0000"/>
-                </a:solidFill>
-              </a:rPr>
-              <a:t>Java Script</a:t>
-            </a:r>
-          </a:p>
-          <a:p>
-            <a:pPr>
-              <a:buNone/>
-            </a:pPr>
-            <a:r>
-              <a:rPr lang="de-DE" sz="1600" dirty="0" smtClean="0"/>
-              <a:t>	</a:t>
-            </a:r>
-            <a:r>
-              <a:rPr lang="de-DE" sz="1600" dirty="0" smtClean="0">
-                <a:solidFill>
-                  <a:schemeClr val="bg1">
-                    <a:lumMod val="65000"/>
-                  </a:schemeClr>
-                </a:solidFill>
-              </a:rPr>
-              <a:t>Asynchrone Änderungen</a:t>
-            </a:r>
-          </a:p>
-          <a:p>
-            <a:r>
-              <a:rPr lang="de-DE" sz="2400" dirty="0" smtClean="0"/>
-              <a:t>HTML Formular</a:t>
-            </a:r>
-          </a:p>
-          <a:p>
-            <a:pPr>
-              <a:buNone/>
-            </a:pPr>
-            <a:r>
-              <a:rPr lang="de-DE" sz="1600" dirty="0" smtClean="0">
-                <a:solidFill>
-                  <a:schemeClr val="bg1">
-                    <a:lumMod val="65000"/>
-                  </a:schemeClr>
-                </a:solidFill>
-              </a:rPr>
-              <a:t> </a:t>
-            </a:r>
-          </a:p>
-          <a:p>
-            <a:r>
-              <a:rPr lang="de-DE" sz="2400" dirty="0" smtClean="0"/>
-              <a:t>Client-Storage</a:t>
-            </a:r>
-          </a:p>
-          <a:p>
-            <a:pPr>
-              <a:buNone/>
-            </a:pPr>
-            <a:r>
-              <a:rPr lang="de-DE" sz="1600" dirty="0" smtClean="0"/>
-              <a:t> </a:t>
-            </a:r>
-          </a:p>
-          <a:p>
-            <a:r>
-              <a:rPr lang="de-DE" sz="2400" dirty="0" smtClean="0"/>
-              <a:t>HTML5</a:t>
-            </a:r>
-          </a:p>
-          <a:p>
-            <a:pPr>
-              <a:buNone/>
-            </a:pPr>
-            <a:r>
-              <a:rPr lang="de-DE" sz="1600" dirty="0" smtClean="0"/>
-              <a:t> </a:t>
-            </a:r>
-            <a:endParaRPr lang="de-DE" sz="1600" dirty="0">
-              <a:solidFill>
-                <a:schemeClr val="bg1">
-                  <a:lumMod val="65000"/>
-                </a:schemeClr>
-              </a:solidFill>
-            </a:endParaRPr>
-          </a:p>
-        </p:txBody>
-      </p:sp>
-      <p:sp>
-        <p:nvSpPr>
           <p:cNvPr id="3" name="Titel 2"/>
           <p:cNvSpPr>
             <a:spLocks noGrp="1"/>
@@ -9760,7 +11396,11 @@
           <a:p>
             <a:r>
               <a:rPr lang="de-DE" dirty="0" smtClean="0"/>
-              <a:t>Zielvereinbarung I</a:t>
+              <a:t>Entwurf und Implementierung </a:t>
+            </a:r>
+            <a:r>
+              <a:rPr lang="de-DE" dirty="0" smtClean="0"/>
+              <a:t>III</a:t>
             </a:r>
             <a:endParaRPr lang="de-DE" dirty="0"/>
           </a:p>
@@ -9768,7 +11408,7 @@
       </p:sp>
       <p:pic>
         <p:nvPicPr>
-          <p:cNvPr id="1027" name="Picture 3" descr="C:\Users\Acanis\AppData\Local\Microsoft\Windows\Temporary Internet Files\Content.IE5\ZIAAWVRW\MC900441310[1].png"/>
+          <p:cNvPr id="4" name="Picture 2" descr="D:\Lecker SVN\trunk\mockups\web\MainFirst.png"/>
           <p:cNvPicPr>
             <a:picLocks noChangeAspect="1" noChangeArrowheads="1"/>
           </p:cNvPicPr>
@@ -9776,93 +11416,14 @@
         </p:nvPicPr>
         <p:blipFill>
           <a:blip r:embed="rId2" cstate="print"/>
-          <a:srcRect/>
           <a:stretch>
             <a:fillRect/>
           </a:stretch>
         </p:blipFill>
         <p:spPr bwMode="auto">
           <a:xfrm>
-            <a:off x="1691680" y="1268760"/>
-            <a:ext cx="582960" cy="582960"/>
-          </a:xfrm>
-          <a:prstGeom prst="rect">
-            <a:avLst/>
-          </a:prstGeom>
-          <a:noFill/>
-        </p:spPr>
-      </p:pic>
-      <p:pic>
-        <p:nvPicPr>
-          <p:cNvPr id="6" name="Picture 3" descr="C:\Users\Acanis\AppData\Local\Microsoft\Windows\Temporary Internet Files\Content.IE5\ZIAAWVRW\MC900441310[1].png"/>
-          <p:cNvPicPr>
-            <a:picLocks noChangeAspect="1" noChangeArrowheads="1"/>
-          </p:cNvPicPr>
-          <p:nvPr/>
-        </p:nvPicPr>
-        <p:blipFill>
-          <a:blip r:embed="rId2" cstate="print"/>
-          <a:srcRect/>
-          <a:stretch>
-            <a:fillRect/>
-          </a:stretch>
-        </p:blipFill>
-        <p:spPr bwMode="auto">
-          <a:xfrm>
-            <a:off x="1475656" y="1988840"/>
-            <a:ext cx="582960" cy="582960"/>
-          </a:xfrm>
-          <a:prstGeom prst="rect">
-            <a:avLst/>
-          </a:prstGeom>
-          <a:noFill/>
-        </p:spPr>
-      </p:pic>
-      <p:pic>
-        <p:nvPicPr>
-          <p:cNvPr id="7" name="Picture 3" descr="C:\Users\Acanis\AppData\Local\Microsoft\Windows\Temporary Internet Files\Content.IE5\ZIAAWVRW\MC900441310[1].png"/>
-          <p:cNvPicPr>
-            <a:picLocks noChangeAspect="1" noChangeArrowheads="1"/>
-          </p:cNvPicPr>
-          <p:nvPr/>
-        </p:nvPicPr>
-        <p:blipFill>
-          <a:blip r:embed="rId2" cstate="print"/>
-          <a:srcRect/>
-          <a:stretch>
-            <a:fillRect/>
-          </a:stretch>
-        </p:blipFill>
-        <p:spPr bwMode="auto">
-          <a:xfrm>
-            <a:off x="2339752" y="2708920"/>
-            <a:ext cx="582960" cy="582960"/>
-          </a:xfrm>
-          <a:prstGeom prst="rect">
-            <a:avLst/>
-          </a:prstGeom>
-          <a:noFill/>
-        </p:spPr>
-      </p:pic>
-      <p:pic>
-        <p:nvPicPr>
-          <p:cNvPr id="3074" name="Picture 2" descr="D:\Lecker SVN\trunk\praesentationen\JS.png"/>
-          <p:cNvPicPr>
-            <a:picLocks noChangeAspect="1" noChangeArrowheads="1"/>
-          </p:cNvPicPr>
-          <p:nvPr/>
-        </p:nvPicPr>
-        <p:blipFill>
-          <a:blip r:embed="rId3" cstate="print"/>
-          <a:srcRect/>
-          <a:stretch>
-            <a:fillRect/>
-          </a:stretch>
-        </p:blipFill>
-        <p:spPr bwMode="auto">
-          <a:xfrm>
-            <a:off x="3203848" y="1817913"/>
-            <a:ext cx="5832648" cy="3843335"/>
+            <a:off x="1187624" y="1196752"/>
+            <a:ext cx="6768751" cy="4655854"/>
           </a:xfrm>
           <a:prstGeom prst="rect">
             <a:avLst/>
